--- a/doc/_pt_doc/N2_Team_1st_PT_20161026.pptx
+++ b/doc/_pt_doc/N2_Team_1st_PT_20161026.pptx
@@ -5,25 +5,26 @@
     <p:sldMasterId id="2147483648" r:id="rId1"/>
   </p:sldMasterIdLst>
   <p:notesMasterIdLst>
-    <p:notesMasterId r:id="rId18"/>
+    <p:notesMasterId r:id="rId19"/>
   </p:notesMasterIdLst>
   <p:sldIdLst>
-    <p:sldId id="256" r:id="rId2"/>
-    <p:sldId id="260" r:id="rId3"/>
-    <p:sldId id="257" r:id="rId4"/>
-    <p:sldId id="263" r:id="rId5"/>
-    <p:sldId id="264" r:id="rId6"/>
-    <p:sldId id="261" r:id="rId7"/>
-    <p:sldId id="262" r:id="rId8"/>
-    <p:sldId id="258" r:id="rId9"/>
-    <p:sldId id="267" r:id="rId10"/>
-    <p:sldId id="271" r:id="rId11"/>
-    <p:sldId id="269" r:id="rId12"/>
-    <p:sldId id="259" r:id="rId13"/>
-    <p:sldId id="268" r:id="rId14"/>
-    <p:sldId id="270" r:id="rId15"/>
-    <p:sldId id="266" r:id="rId16"/>
-    <p:sldId id="265" r:id="rId17"/>
+    <p:sldId id="272" r:id="rId2"/>
+    <p:sldId id="256" r:id="rId3"/>
+    <p:sldId id="260" r:id="rId4"/>
+    <p:sldId id="257" r:id="rId5"/>
+    <p:sldId id="263" r:id="rId6"/>
+    <p:sldId id="264" r:id="rId7"/>
+    <p:sldId id="261" r:id="rId8"/>
+    <p:sldId id="262" r:id="rId9"/>
+    <p:sldId id="258" r:id="rId10"/>
+    <p:sldId id="267" r:id="rId11"/>
+    <p:sldId id="271" r:id="rId12"/>
+    <p:sldId id="269" r:id="rId13"/>
+    <p:sldId id="259" r:id="rId14"/>
+    <p:sldId id="268" r:id="rId15"/>
+    <p:sldId id="270" r:id="rId16"/>
+    <p:sldId id="266" r:id="rId17"/>
+    <p:sldId id="265" r:id="rId18"/>
   </p:sldIdLst>
   <p:sldSz cx="9144000" cy="6858000" type="screen4x3"/>
   <p:notesSz cx="6858000" cy="9144000"/>
@@ -3500,259 +3501,32 @@
           <a:chExt cx="0" cy="0"/>
         </a:xfrm>
       </p:grpSpPr>
-      <p:sp>
-        <p:nvSpPr>
-          <p:cNvPr id="2" name="제목 1"/>
-          <p:cNvSpPr>
-            <a:spLocks noGrp="1"/>
-          </p:cNvSpPr>
-          <p:nvPr>
-            <p:ph type="ctrTitle"/>
-          </p:nvPr>
-        </p:nvSpPr>
-        <p:spPr>
+      <p:pic>
+        <p:nvPicPr>
+          <p:cNvPr id="1026" name="Picture 2" descr="http://www.kickasstoo.com/wp-content/uploads/2015/07/url5.jpg"/>
+          <p:cNvPicPr>
+            <a:picLocks noChangeAspect="1" noChangeArrowheads="1"/>
+          </p:cNvPicPr>
+          <p:nvPr/>
+        </p:nvPicPr>
+        <p:blipFill>
+          <a:blip r:embed="rId2" cstate="print"/>
+          <a:srcRect/>
+          <a:stretch>
+            <a:fillRect/>
+          </a:stretch>
+        </p:blipFill>
+        <p:spPr bwMode="auto">
           <a:xfrm>
-            <a:off x="685800" y="620688"/>
-            <a:ext cx="7772400" cy="1470025"/>
-          </a:xfrm>
-        </p:spPr>
-        <p:txBody>
-          <a:bodyPr>
-            <a:normAutofit/>
-          </a:bodyPr>
-          <a:lstStyle/>
-          <a:p>
-            <a:r>
-              <a:rPr lang="en-US" altLang="ko-KR" dirty="0" smtClean="0"/>
-              <a:t>Escape from N2 Planet</a:t>
-            </a:r>
-            <a:r>
-              <a:rPr lang="en-US" altLang="ko-KR" sz="2000" dirty="0" smtClean="0"/>
-              <a:t/>
-            </a:r>
-            <a:br>
-              <a:rPr lang="en-US" altLang="ko-KR" sz="2000" dirty="0" smtClean="0"/>
-            </a:br>
-            <a:r>
-              <a:rPr lang="en-US" altLang="ko-KR" sz="2000" dirty="0" smtClean="0"/>
-              <a:t/>
-            </a:r>
-            <a:br>
-              <a:rPr lang="en-US" altLang="ko-KR" sz="2000" dirty="0" smtClean="0"/>
-            </a:br>
-            <a:r>
-              <a:rPr lang="en-US" altLang="ko-KR" sz="2400" dirty="0" smtClean="0"/>
-              <a:t>- N2 Team -</a:t>
-            </a:r>
-            <a:endParaRPr lang="ko-KR" altLang="en-US" sz="2400" dirty="0"/>
-          </a:p>
-        </p:txBody>
-      </p:sp>
-      <p:sp>
-        <p:nvSpPr>
-          <p:cNvPr id="3" name="부제목 2"/>
-          <p:cNvSpPr>
-            <a:spLocks noGrp="1"/>
-          </p:cNvSpPr>
-          <p:nvPr>
-            <p:ph type="subTitle" idx="1"/>
-          </p:nvPr>
-        </p:nvSpPr>
-        <p:spPr>
-          <a:xfrm>
-            <a:off x="1403648" y="2492896"/>
-            <a:ext cx="6400800" cy="1752600"/>
-          </a:xfrm>
-        </p:spPr>
-        <p:txBody>
-          <a:bodyPr/>
-          <a:lstStyle/>
-          <a:p>
-            <a:r>
-              <a:rPr lang="en-US" altLang="ko-KR" dirty="0" smtClean="0">
-                <a:solidFill>
-                  <a:schemeClr val="tx1"/>
-                </a:solidFill>
-              </a:rPr>
-              <a:t>1</a:t>
-            </a:r>
-            <a:r>
-              <a:rPr lang="en-US" altLang="ko-KR" baseline="30000" dirty="0" smtClean="0">
-                <a:solidFill>
-                  <a:schemeClr val="tx1"/>
-                </a:solidFill>
-              </a:rPr>
-              <a:t>st</a:t>
-            </a:r>
-            <a:r>
-              <a:rPr lang="en-US" altLang="ko-KR" dirty="0" smtClean="0">
-                <a:solidFill>
-                  <a:schemeClr val="tx1"/>
-                </a:solidFill>
-              </a:rPr>
-              <a:t> Presentation</a:t>
-            </a:r>
-            <a:endParaRPr lang="ko-KR" altLang="en-US" dirty="0">
-              <a:solidFill>
-                <a:schemeClr val="tx1"/>
-              </a:solidFill>
-            </a:endParaRPr>
-          </a:p>
-        </p:txBody>
-      </p:sp>
-      <p:sp>
-        <p:nvSpPr>
-          <p:cNvPr id="4" name="직사각형 3"/>
-          <p:cNvSpPr/>
-          <p:nvPr/>
-        </p:nvSpPr>
-        <p:spPr>
-          <a:xfrm>
-            <a:off x="2915816" y="3429000"/>
-            <a:ext cx="3384376" cy="2585323"/>
+            <a:off x="-36512" y="-35773"/>
+            <a:ext cx="9361040" cy="7020780"/>
           </a:xfrm>
           <a:prstGeom prst="rect">
             <a:avLst/>
           </a:prstGeom>
+          <a:noFill/>
         </p:spPr>
-        <p:txBody>
-          <a:bodyPr wrap="square">
-            <a:spAutoFit/>
-          </a:bodyPr>
-          <a:lstStyle/>
-          <a:p>
-            <a:pPr algn="ctr"/>
-            <a:r>
-              <a:rPr lang="ko-KR" altLang="en-US" dirty="0" smtClean="0"/>
-              <a:t>◈ </a:t>
-            </a:r>
-            <a:r>
-              <a:rPr lang="en-US" altLang="ko-KR" dirty="0" smtClean="0"/>
-              <a:t>Table of Contents</a:t>
-            </a:r>
-          </a:p>
-          <a:p>
-            <a:pPr algn="ctr"/>
-            <a:endParaRPr lang="en-US" altLang="ko-KR" dirty="0" smtClean="0"/>
-          </a:p>
-          <a:p>
-            <a:pPr marL="342900" indent="-342900">
-              <a:buFont typeface="+mj-lt"/>
-              <a:buAutoNum type="arabicPeriod"/>
-            </a:pPr>
-            <a:r>
-              <a:rPr lang="ko-KR" altLang="en-US" dirty="0" smtClean="0"/>
-              <a:t>팀</a:t>
-            </a:r>
-            <a:r>
-              <a:rPr lang="en-US" altLang="ko-KR" dirty="0" smtClean="0"/>
-              <a:t> </a:t>
-            </a:r>
-            <a:r>
-              <a:rPr lang="ko-KR" altLang="en-US" dirty="0" smtClean="0"/>
-              <a:t>소개</a:t>
-            </a:r>
-            <a:endParaRPr lang="en-US" altLang="ko-KR" dirty="0" smtClean="0"/>
-          </a:p>
-          <a:p>
-            <a:pPr marL="342900" indent="-342900">
-              <a:buFont typeface="+mj-lt"/>
-              <a:buAutoNum type="arabicPeriod"/>
-            </a:pPr>
-            <a:endParaRPr lang="en-US" altLang="ko-KR" dirty="0" smtClean="0"/>
-          </a:p>
-          <a:p>
-            <a:pPr marL="342900" indent="-342900">
-              <a:buFont typeface="+mj-lt"/>
-              <a:buAutoNum type="arabicPeriod"/>
-            </a:pPr>
-            <a:r>
-              <a:rPr lang="ko-KR" altLang="en-US" dirty="0" smtClean="0"/>
-              <a:t>기획 내용</a:t>
-            </a:r>
-            <a:endParaRPr lang="en-US" altLang="ko-KR" dirty="0" smtClean="0"/>
-          </a:p>
-          <a:p>
-            <a:pPr marL="342900" indent="-342900">
-              <a:buFont typeface="+mj-lt"/>
-              <a:buAutoNum type="arabicPeriod"/>
-            </a:pPr>
-            <a:endParaRPr lang="en-US" altLang="ko-KR" dirty="0" smtClean="0"/>
-          </a:p>
-          <a:p>
-            <a:pPr marL="342900" indent="-342900">
-              <a:buFont typeface="+mj-lt"/>
-              <a:buAutoNum type="arabicPeriod"/>
-            </a:pPr>
-            <a:r>
-              <a:rPr lang="ko-KR" altLang="en-US" dirty="0" smtClean="0"/>
-              <a:t>엔진 소개 </a:t>
-            </a:r>
-            <a:r>
-              <a:rPr lang="en-US" altLang="ko-KR" dirty="0" smtClean="0"/>
-              <a:t>(</a:t>
-            </a:r>
-            <a:r>
-              <a:rPr lang="ko-KR" altLang="en-US" dirty="0" smtClean="0"/>
-              <a:t>게임 시연</a:t>
-            </a:r>
-            <a:r>
-              <a:rPr lang="en-US" altLang="ko-KR" dirty="0" smtClean="0"/>
-              <a:t>)</a:t>
-            </a:r>
-          </a:p>
-          <a:p>
-            <a:pPr marL="342900" indent="-342900">
-              <a:buFont typeface="+mj-lt"/>
-              <a:buAutoNum type="arabicPeriod"/>
-            </a:pPr>
-            <a:endParaRPr lang="en-US" altLang="ko-KR" dirty="0" smtClean="0"/>
-          </a:p>
-          <a:p>
-            <a:pPr marL="342900" indent="-342900">
-              <a:buFont typeface="+mj-lt"/>
-              <a:buAutoNum type="arabicPeriod"/>
-            </a:pPr>
-            <a:r>
-              <a:rPr lang="ko-KR" altLang="en-US" dirty="0" smtClean="0"/>
-              <a:t>툴 </a:t>
-            </a:r>
-            <a:r>
-              <a:rPr lang="en-US" altLang="ko-KR" dirty="0" smtClean="0"/>
-              <a:t>(</a:t>
-            </a:r>
-            <a:r>
-              <a:rPr lang="ko-KR" altLang="en-US" dirty="0" smtClean="0"/>
-              <a:t>캐릭터</a:t>
-            </a:r>
-            <a:r>
-              <a:rPr lang="en-US" altLang="ko-KR" dirty="0" smtClean="0"/>
-              <a:t>, </a:t>
-            </a:r>
-            <a:r>
-              <a:rPr lang="ko-KR" altLang="en-US" dirty="0" err="1" smtClean="0"/>
-              <a:t>맵</a:t>
-            </a:r>
-            <a:r>
-              <a:rPr lang="en-US" altLang="ko-KR" dirty="0" smtClean="0"/>
-              <a:t>, </a:t>
-            </a:r>
-            <a:r>
-              <a:rPr lang="ko-KR" altLang="en-US" dirty="0" err="1" smtClean="0"/>
-              <a:t>이펙트</a:t>
-            </a:r>
-            <a:r>
-              <a:rPr lang="en-US" altLang="ko-KR" dirty="0" smtClean="0"/>
-              <a:t>) </a:t>
-            </a:r>
-            <a:r>
-              <a:rPr lang="ko-KR" altLang="en-US" dirty="0" smtClean="0"/>
-              <a:t>소개</a:t>
-            </a:r>
-            <a:endParaRPr lang="en-US" altLang="ko-KR" dirty="0"/>
-          </a:p>
-        </p:txBody>
-      </p:sp>
+      </p:pic>
     </p:spTree>
   </p:cSld>
   <p:clrMapOvr>
@@ -3802,63 +3576,61 @@
           <a:p>
             <a:r>
               <a:rPr lang="en-US" altLang="ko-KR" dirty="0" smtClean="0"/>
-              <a:t>4. </a:t>
+              <a:t>3. </a:t>
             </a:r>
             <a:r>
               <a:rPr lang="ko-KR" altLang="en-US" dirty="0" smtClean="0"/>
-              <a:t>툴 소개</a:t>
+              <a:t>엔진 소개 </a:t>
+            </a:r>
+            <a:r>
+              <a:rPr lang="en-US" altLang="ko-KR" dirty="0" smtClean="0"/>
+              <a:t>(&amp; </a:t>
+            </a:r>
+            <a:r>
+              <a:rPr lang="ko-KR" altLang="en-US" dirty="0" smtClean="0"/>
+              <a:t>게임 시연</a:t>
+            </a:r>
+            <a:r>
+              <a:rPr lang="en-US" altLang="ko-KR" dirty="0" smtClean="0"/>
+              <a:t>)</a:t>
             </a:r>
             <a:endParaRPr lang="ko-KR" altLang="en-US" dirty="0"/>
           </a:p>
         </p:txBody>
       </p:sp>
-      <p:sp>
-        <p:nvSpPr>
-          <p:cNvPr id="3" name="내용 개체 틀 2"/>
-          <p:cNvSpPr>
-            <a:spLocks noGrp="1"/>
-          </p:cNvSpPr>
-          <p:nvPr>
-            <p:ph idx="1"/>
-          </p:nvPr>
-        </p:nvSpPr>
-        <p:spPr/>
-        <p:txBody>
-          <a:bodyPr/>
-          <a:lstStyle/>
-          <a:p>
-            <a:pPr marL="571500" indent="-571500">
-              <a:buFont typeface="+mj-lt"/>
-              <a:buAutoNum type="romanUcPeriod"/>
-            </a:pPr>
-            <a:r>
-              <a:rPr lang="en-US" altLang="ko-KR" dirty="0" smtClean="0"/>
-              <a:t>Character Tool</a:t>
-            </a:r>
-          </a:p>
-          <a:p>
-            <a:pPr marL="571500" indent="-571500">
-              <a:buFont typeface="+mj-lt"/>
-              <a:buAutoNum type="romanUcPeriod"/>
-            </a:pPr>
-            <a:r>
-              <a:rPr lang="en-US" altLang="ko-KR" dirty="0" smtClean="0"/>
-              <a:t>Map Tool</a:t>
-            </a:r>
-          </a:p>
-          <a:p>
-            <a:pPr marL="571500" indent="-571500">
-              <a:buFont typeface="+mj-lt"/>
-              <a:buAutoNum type="romanUcPeriod"/>
-            </a:pPr>
-            <a:r>
-              <a:rPr lang="en-US" altLang="ko-KR" dirty="0" smtClean="0"/>
-              <a:t>Effect Tool</a:t>
-            </a:r>
-            <a:endParaRPr lang="ko-KR" altLang="en-US" dirty="0"/>
-          </a:p>
-        </p:txBody>
-      </p:sp>
+      <p:pic>
+        <p:nvPicPr>
+          <p:cNvPr id="1026" name="Picture 2"/>
+          <p:cNvPicPr>
+            <a:picLocks noChangeAspect="1" noChangeArrowheads="1"/>
+          </p:cNvPicPr>
+          <p:nvPr/>
+        </p:nvPicPr>
+        <p:blipFill>
+          <a:blip r:embed="rId2" cstate="print"/>
+          <a:srcRect/>
+          <a:stretch>
+            <a:fillRect/>
+          </a:stretch>
+        </p:blipFill>
+        <p:spPr bwMode="auto">
+          <a:xfrm>
+            <a:off x="3009900" y="2144713"/>
+            <a:ext cx="3124200" cy="2571750"/>
+          </a:xfrm>
+          <a:prstGeom prst="rect">
+            <a:avLst/>
+          </a:prstGeom>
+          <a:noFill/>
+          <a:ln w="9525">
+            <a:noFill/>
+            <a:miter lim="800000"/>
+            <a:headEnd/>
+            <a:tailEnd/>
+          </a:ln>
+          <a:effectLst/>
+        </p:spPr>
+      </p:pic>
     </p:spTree>
   </p:cSld>
   <p:clrMapOvr>
@@ -3942,6 +3714,112 @@
               <a:t>Character Tool</a:t>
             </a:r>
           </a:p>
+          <a:p>
+            <a:pPr marL="571500" indent="-571500">
+              <a:buFont typeface="+mj-lt"/>
+              <a:buAutoNum type="romanUcPeriod"/>
+            </a:pPr>
+            <a:r>
+              <a:rPr lang="en-US" altLang="ko-KR" dirty="0" smtClean="0"/>
+              <a:t>Map Tool</a:t>
+            </a:r>
+          </a:p>
+          <a:p>
+            <a:pPr marL="571500" indent="-571500">
+              <a:buFont typeface="+mj-lt"/>
+              <a:buAutoNum type="romanUcPeriod"/>
+            </a:pPr>
+            <a:r>
+              <a:rPr lang="en-US" altLang="ko-KR" dirty="0" smtClean="0"/>
+              <a:t>Effect Tool</a:t>
+            </a:r>
+            <a:endParaRPr lang="ko-KR" altLang="en-US" dirty="0"/>
+          </a:p>
+        </p:txBody>
+      </p:sp>
+    </p:spTree>
+  </p:cSld>
+  <p:clrMapOvr>
+    <a:masterClrMapping/>
+  </p:clrMapOvr>
+  <p:timing>
+    <p:tnLst>
+      <p:par>
+        <p:cTn id="1" dur="indefinite" restart="never" nodeType="tmRoot"/>
+      </p:par>
+    </p:tnLst>
+  </p:timing>
+</p:sld>
+</file>
+
+<file path=ppt/slides/slide12.xml><?xml version="1.0" encoding="utf-8"?>
+<p:sld xmlns:a="http://schemas.openxmlformats.org/drawingml/2006/main" xmlns:r="http://schemas.openxmlformats.org/officeDocument/2006/relationships" xmlns:p="http://schemas.openxmlformats.org/presentationml/2006/main">
+  <p:cSld>
+    <p:spTree>
+      <p:nvGrpSpPr>
+        <p:cNvPr id="1" name=""/>
+        <p:cNvGrpSpPr/>
+        <p:nvPr/>
+      </p:nvGrpSpPr>
+      <p:grpSpPr>
+        <a:xfrm>
+          <a:off x="0" y="0"/>
+          <a:ext cx="0" cy="0"/>
+          <a:chOff x="0" y="0"/>
+          <a:chExt cx="0" cy="0"/>
+        </a:xfrm>
+      </p:grpSpPr>
+      <p:sp>
+        <p:nvSpPr>
+          <p:cNvPr id="2" name="제목 1"/>
+          <p:cNvSpPr>
+            <a:spLocks noGrp="1"/>
+          </p:cNvSpPr>
+          <p:nvPr>
+            <p:ph type="title"/>
+          </p:nvPr>
+        </p:nvSpPr>
+        <p:spPr/>
+        <p:txBody>
+          <a:bodyPr/>
+          <a:lstStyle/>
+          <a:p>
+            <a:r>
+              <a:rPr lang="en-US" altLang="ko-KR" dirty="0" smtClean="0"/>
+              <a:t>4. </a:t>
+            </a:r>
+            <a:r>
+              <a:rPr lang="ko-KR" altLang="en-US" dirty="0" smtClean="0"/>
+              <a:t>툴 소개</a:t>
+            </a:r>
+            <a:endParaRPr lang="ko-KR" altLang="en-US" dirty="0"/>
+          </a:p>
+        </p:txBody>
+      </p:sp>
+      <p:sp>
+        <p:nvSpPr>
+          <p:cNvPr id="3" name="내용 개체 틀 2"/>
+          <p:cNvSpPr>
+            <a:spLocks noGrp="1"/>
+          </p:cNvSpPr>
+          <p:nvPr>
+            <p:ph idx="1"/>
+          </p:nvPr>
+        </p:nvSpPr>
+        <p:spPr/>
+        <p:txBody>
+          <a:bodyPr/>
+          <a:lstStyle/>
+          <a:p>
+            <a:pPr marL="571500" indent="-571500">
+              <a:buFont typeface="+mj-lt"/>
+              <a:buAutoNum type="romanUcPeriod"/>
+            </a:pPr>
+            <a:r>
+              <a:rPr lang="en-US" altLang="ko-KR" dirty="0" smtClean="0"/>
+              <a:t>Character Tool</a:t>
+            </a:r>
+          </a:p>
         </p:txBody>
       </p:sp>
       <p:pic>
@@ -4093,7 +3971,7 @@
 </p:sld>
 </file>
 
-<file path=ppt/slides/slide12.xml><?xml version="1.0" encoding="utf-8"?>
+<file path=ppt/slides/slide13.xml><?xml version="1.0" encoding="utf-8"?>
 <p:sld xmlns:a="http://schemas.openxmlformats.org/drawingml/2006/main" xmlns:r="http://schemas.openxmlformats.org/officeDocument/2006/relationships" xmlns:p="http://schemas.openxmlformats.org/presentationml/2006/main">
   <p:cSld>
     <p:spTree>
@@ -4256,7 +4134,7 @@
 </p:sld>
 </file>
 
-<file path=ppt/slides/slide13.xml><?xml version="1.0" encoding="utf-8"?>
+<file path=ppt/slides/slide14.xml><?xml version="1.0" encoding="utf-8"?>
 <p:sld xmlns:a="http://schemas.openxmlformats.org/drawingml/2006/main" xmlns:r="http://schemas.openxmlformats.org/officeDocument/2006/relationships" xmlns:p="http://schemas.openxmlformats.org/presentationml/2006/main">
   <p:cSld>
     <p:spTree>
@@ -4550,7 +4428,7 @@
 </p:sld>
 </file>
 
-<file path=ppt/slides/slide14.xml><?xml version="1.0" encoding="utf-8"?>
+<file path=ppt/slides/slide15.xml><?xml version="1.0" encoding="utf-8"?>
 <p:sld xmlns:a="http://schemas.openxmlformats.org/drawingml/2006/main" xmlns:r="http://schemas.openxmlformats.org/officeDocument/2006/relationships" xmlns:p="http://schemas.openxmlformats.org/presentationml/2006/main">
   <p:cSld>
     <p:spTree>
@@ -4800,7 +4678,7 @@
 </p:sld>
 </file>
 
-<file path=ppt/slides/slide15.xml><?xml version="1.0" encoding="utf-8"?>
+<file path=ppt/slides/slide16.xml><?xml version="1.0" encoding="utf-8"?>
 <p:sld xmlns:a="http://schemas.openxmlformats.org/drawingml/2006/main" xmlns:r="http://schemas.openxmlformats.org/officeDocument/2006/relationships" xmlns:p="http://schemas.openxmlformats.org/presentationml/2006/main">
   <p:cSld>
     <p:spTree>
@@ -5178,7 +5056,7 @@
 </p:sld>
 </file>
 
-<file path=ppt/slides/slide16.xml><?xml version="1.0" encoding="utf-8"?>
+<file path=ppt/slides/slide17.xml><?xml version="1.0" encoding="utf-8"?>
 <p:sld xmlns:a="http://schemas.openxmlformats.org/drawingml/2006/main" xmlns:r="http://schemas.openxmlformats.org/officeDocument/2006/relationships" xmlns:p="http://schemas.openxmlformats.org/presentationml/2006/main">
   <p:cSld>
     <p:spTree>
@@ -5576,30 +5454,18 @@
             </a:r>
             <a:r>
               <a:rPr lang="ko-KR" altLang="en-US" sz="1000" dirty="0" err="1" smtClean="0"/>
-              <a:t>이펙</a:t>
-            </a:r>
-            <a:r>
-              <a:rPr lang="ko-KR" altLang="en-US" sz="1000" dirty="0" err="1" smtClean="0"/>
-              <a:t>트</a:t>
+              <a:t>이펙트</a:t>
             </a:r>
             <a:r>
               <a:rPr lang="ko-KR" altLang="en-US" sz="1000" dirty="0" smtClean="0"/>
-              <a:t> </a:t>
-            </a:r>
-            <a:r>
-              <a:rPr lang="ko-KR" altLang="en-US" sz="1000" dirty="0" smtClean="0"/>
-              <a:t>구현 사항</a:t>
+              <a:t> 구현 사항</a:t>
             </a:r>
             <a:endParaRPr lang="en-US" altLang="ko-KR" sz="1000" dirty="0" smtClean="0"/>
           </a:p>
           <a:p>
             <a:r>
               <a:rPr lang="en-US" altLang="ko-KR" sz="1000" dirty="0" smtClean="0"/>
-              <a:t> &gt; </a:t>
-            </a:r>
-            <a:r>
-              <a:rPr lang="en-US" altLang="ko-KR" sz="1000" dirty="0" smtClean="0"/>
-              <a:t>UV EFFECT( billboard</a:t>
+              <a:t> &gt; UV EFFECT( billboard</a:t>
             </a:r>
             <a:r>
               <a:rPr lang="ko-KR" altLang="en-US" sz="1000" dirty="0" smtClean="0"/>
@@ -5609,16 +5475,11 @@
               <a:rPr lang="en-US" altLang="ko-KR" sz="1000" dirty="0" smtClean="0"/>
               <a:t>+ blend state)</a:t>
             </a:r>
-            <a:endParaRPr lang="en-US" altLang="ko-KR" sz="1000" dirty="0" smtClean="0"/>
           </a:p>
           <a:p>
             <a:r>
               <a:rPr lang="en-US" altLang="ko-KR" sz="1000" dirty="0" smtClean="0"/>
-              <a:t> &gt; </a:t>
-            </a:r>
-            <a:r>
-              <a:rPr lang="en-US" altLang="ko-KR" sz="1000" dirty="0" smtClean="0"/>
-              <a:t>Time</a:t>
+              <a:t> &gt; Time</a:t>
             </a:r>
             <a:r>
               <a:rPr lang="ko-KR" altLang="en-US" sz="1000" dirty="0" smtClean="0"/>
@@ -5652,6 +5513,291 @@
 </file>
 
 <file path=ppt/slides/slide2.xml><?xml version="1.0" encoding="utf-8"?>
+<p:sld xmlns:a="http://schemas.openxmlformats.org/drawingml/2006/main" xmlns:r="http://schemas.openxmlformats.org/officeDocument/2006/relationships" xmlns:p="http://schemas.openxmlformats.org/presentationml/2006/main">
+  <p:cSld>
+    <p:spTree>
+      <p:nvGrpSpPr>
+        <p:cNvPr id="1" name=""/>
+        <p:cNvGrpSpPr/>
+        <p:nvPr/>
+      </p:nvGrpSpPr>
+      <p:grpSpPr>
+        <a:xfrm>
+          <a:off x="0" y="0"/>
+          <a:ext cx="0" cy="0"/>
+          <a:chOff x="0" y="0"/>
+          <a:chExt cx="0" cy="0"/>
+        </a:xfrm>
+      </p:grpSpPr>
+      <p:sp>
+        <p:nvSpPr>
+          <p:cNvPr id="2" name="제목 1"/>
+          <p:cNvSpPr>
+            <a:spLocks noGrp="1"/>
+          </p:cNvSpPr>
+          <p:nvPr>
+            <p:ph type="ctrTitle"/>
+          </p:nvPr>
+        </p:nvSpPr>
+        <p:spPr>
+          <a:xfrm>
+            <a:off x="685800" y="620688"/>
+            <a:ext cx="7772400" cy="1470025"/>
+          </a:xfrm>
+        </p:spPr>
+        <p:txBody>
+          <a:bodyPr>
+            <a:normAutofit/>
+          </a:bodyPr>
+          <a:lstStyle/>
+          <a:p>
+            <a:r>
+              <a:rPr lang="en-US" altLang="ko-KR" dirty="0" smtClean="0"/>
+              <a:t>Escape from N2 Planet</a:t>
+            </a:r>
+            <a:r>
+              <a:rPr lang="en-US" altLang="ko-KR" sz="2000" dirty="0" smtClean="0"/>
+              <a:t/>
+            </a:r>
+            <a:br>
+              <a:rPr lang="en-US" altLang="ko-KR" sz="2000" dirty="0" smtClean="0"/>
+            </a:br>
+            <a:r>
+              <a:rPr lang="en-US" altLang="ko-KR" sz="2000" dirty="0" smtClean="0"/>
+              <a:t/>
+            </a:r>
+            <a:br>
+              <a:rPr lang="en-US" altLang="ko-KR" sz="2000" dirty="0" smtClean="0"/>
+            </a:br>
+            <a:r>
+              <a:rPr lang="en-US" altLang="ko-KR" sz="2400" dirty="0" smtClean="0"/>
+              <a:t>- N2 Team -</a:t>
+            </a:r>
+            <a:endParaRPr lang="ko-KR" altLang="en-US" sz="2400" dirty="0"/>
+          </a:p>
+        </p:txBody>
+      </p:sp>
+      <p:sp>
+        <p:nvSpPr>
+          <p:cNvPr id="3" name="부제목 2"/>
+          <p:cNvSpPr>
+            <a:spLocks noGrp="1"/>
+          </p:cNvSpPr>
+          <p:nvPr>
+            <p:ph type="subTitle" idx="1"/>
+          </p:nvPr>
+        </p:nvSpPr>
+        <p:spPr>
+          <a:xfrm>
+            <a:off x="1403648" y="2492896"/>
+            <a:ext cx="6400800" cy="1752600"/>
+          </a:xfrm>
+        </p:spPr>
+        <p:txBody>
+          <a:bodyPr/>
+          <a:lstStyle/>
+          <a:p>
+            <a:r>
+              <a:rPr lang="en-US" altLang="ko-KR" dirty="0" smtClean="0">
+                <a:solidFill>
+                  <a:schemeClr val="tx1"/>
+                </a:solidFill>
+              </a:rPr>
+              <a:t>1</a:t>
+            </a:r>
+            <a:r>
+              <a:rPr lang="en-US" altLang="ko-KR" baseline="30000" dirty="0" smtClean="0">
+                <a:solidFill>
+                  <a:schemeClr val="tx1"/>
+                </a:solidFill>
+              </a:rPr>
+              <a:t>st</a:t>
+            </a:r>
+            <a:r>
+              <a:rPr lang="en-US" altLang="ko-KR" dirty="0" smtClean="0">
+                <a:solidFill>
+                  <a:schemeClr val="tx1"/>
+                </a:solidFill>
+              </a:rPr>
+              <a:t> Presentation</a:t>
+            </a:r>
+            <a:endParaRPr lang="ko-KR" altLang="en-US" dirty="0">
+              <a:solidFill>
+                <a:schemeClr val="tx1"/>
+              </a:solidFill>
+            </a:endParaRPr>
+          </a:p>
+        </p:txBody>
+      </p:sp>
+      <p:sp>
+        <p:nvSpPr>
+          <p:cNvPr id="4" name="직사각형 3"/>
+          <p:cNvSpPr/>
+          <p:nvPr/>
+        </p:nvSpPr>
+        <p:spPr>
+          <a:xfrm>
+            <a:off x="2915816" y="3429000"/>
+            <a:ext cx="3384376" cy="2585323"/>
+          </a:xfrm>
+          <a:prstGeom prst="rect">
+            <a:avLst/>
+          </a:prstGeom>
+        </p:spPr>
+        <p:txBody>
+          <a:bodyPr wrap="square">
+            <a:spAutoFit/>
+          </a:bodyPr>
+          <a:lstStyle/>
+          <a:p>
+            <a:pPr algn="ctr"/>
+            <a:r>
+              <a:rPr lang="ko-KR" altLang="en-US" dirty="0" smtClean="0"/>
+              <a:t>◈ </a:t>
+            </a:r>
+            <a:r>
+              <a:rPr lang="en-US" altLang="ko-KR" dirty="0" smtClean="0"/>
+              <a:t>Table of Contents</a:t>
+            </a:r>
+          </a:p>
+          <a:p>
+            <a:pPr algn="ctr"/>
+            <a:endParaRPr lang="en-US" altLang="ko-KR" dirty="0" smtClean="0"/>
+          </a:p>
+          <a:p>
+            <a:pPr marL="342900" indent="-342900">
+              <a:buFont typeface="+mj-lt"/>
+              <a:buAutoNum type="arabicPeriod"/>
+            </a:pPr>
+            <a:r>
+              <a:rPr lang="ko-KR" altLang="en-US" dirty="0" smtClean="0"/>
+              <a:t>팀</a:t>
+            </a:r>
+            <a:r>
+              <a:rPr lang="en-US" altLang="ko-KR" dirty="0" smtClean="0"/>
+              <a:t> </a:t>
+            </a:r>
+            <a:r>
+              <a:rPr lang="ko-KR" altLang="en-US" dirty="0" smtClean="0"/>
+              <a:t>소개</a:t>
+            </a:r>
+            <a:endParaRPr lang="en-US" altLang="ko-KR" dirty="0" smtClean="0"/>
+          </a:p>
+          <a:p>
+            <a:pPr marL="342900" indent="-342900">
+              <a:buFont typeface="+mj-lt"/>
+              <a:buAutoNum type="arabicPeriod"/>
+            </a:pPr>
+            <a:endParaRPr lang="en-US" altLang="ko-KR" dirty="0" smtClean="0"/>
+          </a:p>
+          <a:p>
+            <a:pPr marL="342900" indent="-342900">
+              <a:buFont typeface="+mj-lt"/>
+              <a:buAutoNum type="arabicPeriod"/>
+            </a:pPr>
+            <a:r>
+              <a:rPr lang="ko-KR" altLang="en-US" dirty="0" smtClean="0"/>
+              <a:t>기획 내용</a:t>
+            </a:r>
+            <a:endParaRPr lang="en-US" altLang="ko-KR" dirty="0" smtClean="0"/>
+          </a:p>
+          <a:p>
+            <a:pPr marL="342900" indent="-342900">
+              <a:buFont typeface="+mj-lt"/>
+              <a:buAutoNum type="arabicPeriod"/>
+            </a:pPr>
+            <a:endParaRPr lang="en-US" altLang="ko-KR" dirty="0" smtClean="0"/>
+          </a:p>
+          <a:p>
+            <a:pPr marL="342900" indent="-342900">
+              <a:buFont typeface="+mj-lt"/>
+              <a:buAutoNum type="arabicPeriod"/>
+            </a:pPr>
+            <a:r>
+              <a:rPr lang="ko-KR" altLang="en-US" dirty="0" smtClean="0"/>
+              <a:t>엔진 소개 </a:t>
+            </a:r>
+            <a:r>
+              <a:rPr lang="en-US" altLang="ko-KR" dirty="0" smtClean="0"/>
+              <a:t>(</a:t>
+            </a:r>
+            <a:r>
+              <a:rPr lang="ko-KR" altLang="en-US" dirty="0" smtClean="0"/>
+              <a:t>게임 시연</a:t>
+            </a:r>
+            <a:r>
+              <a:rPr lang="en-US" altLang="ko-KR" dirty="0" smtClean="0"/>
+              <a:t>)</a:t>
+            </a:r>
+          </a:p>
+          <a:p>
+            <a:pPr marL="342900" indent="-342900">
+              <a:buFont typeface="+mj-lt"/>
+              <a:buAutoNum type="arabicPeriod"/>
+            </a:pPr>
+            <a:endParaRPr lang="en-US" altLang="ko-KR" dirty="0" smtClean="0"/>
+          </a:p>
+          <a:p>
+            <a:pPr marL="342900" indent="-342900">
+              <a:buFont typeface="+mj-lt"/>
+              <a:buAutoNum type="arabicPeriod"/>
+            </a:pPr>
+            <a:r>
+              <a:rPr lang="ko-KR" altLang="en-US" dirty="0" smtClean="0"/>
+              <a:t>툴 </a:t>
+            </a:r>
+            <a:r>
+              <a:rPr lang="en-US" altLang="ko-KR" dirty="0" smtClean="0"/>
+              <a:t>(</a:t>
+            </a:r>
+            <a:r>
+              <a:rPr lang="ko-KR" altLang="en-US" dirty="0" smtClean="0"/>
+              <a:t>캐릭터</a:t>
+            </a:r>
+            <a:r>
+              <a:rPr lang="en-US" altLang="ko-KR" dirty="0" smtClean="0"/>
+              <a:t>, </a:t>
+            </a:r>
+            <a:r>
+              <a:rPr lang="ko-KR" altLang="en-US" dirty="0" err="1" smtClean="0"/>
+              <a:t>맵</a:t>
+            </a:r>
+            <a:r>
+              <a:rPr lang="en-US" altLang="ko-KR" dirty="0" smtClean="0"/>
+              <a:t>, </a:t>
+            </a:r>
+            <a:r>
+              <a:rPr lang="ko-KR" altLang="en-US" dirty="0" err="1" smtClean="0"/>
+              <a:t>이펙트</a:t>
+            </a:r>
+            <a:r>
+              <a:rPr lang="en-US" altLang="ko-KR" dirty="0" smtClean="0"/>
+              <a:t>) </a:t>
+            </a:r>
+            <a:r>
+              <a:rPr lang="ko-KR" altLang="en-US" dirty="0" smtClean="0"/>
+              <a:t>소개</a:t>
+            </a:r>
+            <a:endParaRPr lang="en-US" altLang="ko-KR" dirty="0"/>
+          </a:p>
+        </p:txBody>
+      </p:sp>
+    </p:spTree>
+  </p:cSld>
+  <p:clrMapOvr>
+    <a:masterClrMapping/>
+  </p:clrMapOvr>
+  <p:timing>
+    <p:tnLst>
+      <p:par>
+        <p:cTn id="1" dur="indefinite" restart="never" nodeType="tmRoot"/>
+      </p:par>
+    </p:tnLst>
+  </p:timing>
+</p:sld>
+</file>
+
+<file path=ppt/slides/slide3.xml><?xml version="1.0" encoding="utf-8"?>
 <p:sld xmlns:a="http://schemas.openxmlformats.org/drawingml/2006/main" xmlns:r="http://schemas.openxmlformats.org/officeDocument/2006/relationships" xmlns:p="http://schemas.openxmlformats.org/presentationml/2006/main">
   <p:cSld>
     <p:spTree>
@@ -5926,7 +6072,7 @@
 </p:sld>
 </file>
 
-<file path=ppt/slides/slide3.xml><?xml version="1.0" encoding="utf-8"?>
+<file path=ppt/slides/slide4.xml><?xml version="1.0" encoding="utf-8"?>
 <p:sld xmlns:a="http://schemas.openxmlformats.org/drawingml/2006/main" xmlns:r="http://schemas.openxmlformats.org/officeDocument/2006/relationships" xmlns:p="http://schemas.openxmlformats.org/presentationml/2006/main">
   <p:cSld>
     <p:spTree>
@@ -6350,7 +6496,7 @@
 </p:sld>
 </file>
 
-<file path=ppt/slides/slide4.xml><?xml version="1.0" encoding="utf-8"?>
+<file path=ppt/slides/slide5.xml><?xml version="1.0" encoding="utf-8"?>
 <p:sld xmlns:a="http://schemas.openxmlformats.org/drawingml/2006/main" xmlns:r="http://schemas.openxmlformats.org/officeDocument/2006/relationships" xmlns:p="http://schemas.openxmlformats.org/presentationml/2006/main">
   <p:cSld>
     <p:spTree>
@@ -6626,7 +6772,7 @@
 </p:sld>
 </file>
 
-<file path=ppt/slides/slide5.xml><?xml version="1.0" encoding="utf-8"?>
+<file path=ppt/slides/slide6.xml><?xml version="1.0" encoding="utf-8"?>
 <p:sld xmlns:a="http://schemas.openxmlformats.org/drawingml/2006/main" xmlns:r="http://schemas.openxmlformats.org/officeDocument/2006/relationships" xmlns:p="http://schemas.openxmlformats.org/presentationml/2006/main">
   <p:cSld>
     <p:spTree>
@@ -7103,899 +7249,6 @@
 </p:sld>
 </file>
 
-<file path=ppt/slides/slide6.xml><?xml version="1.0" encoding="utf-8"?>
-<p:sld xmlns:a="http://schemas.openxmlformats.org/drawingml/2006/main" xmlns:r="http://schemas.openxmlformats.org/officeDocument/2006/relationships" xmlns:p="http://schemas.openxmlformats.org/presentationml/2006/main">
-  <p:cSld>
-    <p:spTree>
-      <p:nvGrpSpPr>
-        <p:cNvPr id="1" name=""/>
-        <p:cNvGrpSpPr/>
-        <p:nvPr/>
-      </p:nvGrpSpPr>
-      <p:grpSpPr>
-        <a:xfrm>
-          <a:off x="0" y="0"/>
-          <a:ext cx="0" cy="0"/>
-          <a:chOff x="0" y="0"/>
-          <a:chExt cx="0" cy="0"/>
-        </a:xfrm>
-      </p:grpSpPr>
-      <p:sp>
-        <p:nvSpPr>
-          <p:cNvPr id="2" name="제목 1"/>
-          <p:cNvSpPr>
-            <a:spLocks noGrp="1"/>
-          </p:cNvSpPr>
-          <p:nvPr>
-            <p:ph type="title"/>
-          </p:nvPr>
-        </p:nvSpPr>
-        <p:spPr/>
-        <p:txBody>
-          <a:bodyPr/>
-          <a:lstStyle/>
-          <a:p>
-            <a:r>
-              <a:rPr lang="en-US" altLang="ko-KR" dirty="0" smtClean="0"/>
-              <a:t>2. </a:t>
-            </a:r>
-            <a:r>
-              <a:rPr lang="ko-KR" altLang="en-US" dirty="0" smtClean="0"/>
-              <a:t>기획 내용</a:t>
-            </a:r>
-            <a:r>
-              <a:rPr lang="en-US" altLang="ko-KR" dirty="0" smtClean="0"/>
-              <a:t> (Cont.)</a:t>
-            </a:r>
-            <a:endParaRPr lang="ko-KR" altLang="en-US" dirty="0"/>
-          </a:p>
-        </p:txBody>
-      </p:sp>
-      <p:sp>
-        <p:nvSpPr>
-          <p:cNvPr id="3" name="내용 개체 틀 2"/>
-          <p:cNvSpPr>
-            <a:spLocks noGrp="1"/>
-          </p:cNvSpPr>
-          <p:nvPr>
-            <p:ph idx="1"/>
-          </p:nvPr>
-        </p:nvSpPr>
-        <p:spPr>
-          <a:xfrm>
-            <a:off x="467544" y="1340768"/>
-            <a:ext cx="8229600" cy="5328592"/>
-          </a:xfrm>
-        </p:spPr>
-        <p:txBody>
-          <a:bodyPr>
-            <a:normAutofit fontScale="25000" lnSpcReduction="20000"/>
-          </a:bodyPr>
-          <a:lstStyle/>
-          <a:p>
-            <a:pPr>
-              <a:lnSpc>
-                <a:spcPct val="170000"/>
-              </a:lnSpc>
-              <a:buNone/>
-            </a:pPr>
-            <a:r>
-              <a:rPr lang="en-US" altLang="ko-KR" sz="4000" dirty="0" smtClean="0"/>
-              <a:t>1.</a:t>
-            </a:r>
-            <a:r>
-              <a:rPr lang="ko-KR" altLang="en-US" sz="4000" dirty="0" err="1" smtClean="0"/>
-              <a:t>인트로</a:t>
-            </a:r>
-            <a:r>
-              <a:rPr lang="en-US" altLang="ko-KR" sz="4000" dirty="0" smtClean="0"/>
-              <a:t>: </a:t>
-            </a:r>
-            <a:r>
-              <a:rPr lang="ko-KR" altLang="en-US" sz="4000" dirty="0" smtClean="0"/>
-              <a:t>식민지 전경 낮 </a:t>
-            </a:r>
-            <a:r>
-              <a:rPr lang="en-US" altLang="ko-KR" sz="4000" dirty="0" smtClean="0"/>
-              <a:t>(</a:t>
-            </a:r>
-            <a:r>
-              <a:rPr lang="ko-KR" altLang="en-US" sz="4000" dirty="0" smtClean="0"/>
-              <a:t>연구소에 바이러스 퍼지는 장면이 보여짐</a:t>
-            </a:r>
-            <a:r>
-              <a:rPr lang="en-US" altLang="ko-KR" sz="4000" dirty="0" smtClean="0"/>
-              <a:t>. </a:t>
-            </a:r>
-            <a:r>
-              <a:rPr lang="ko-KR" altLang="en-US" sz="4000" dirty="0" smtClean="0"/>
-              <a:t>바이러스 </a:t>
-            </a:r>
-            <a:r>
-              <a:rPr lang="en-US" altLang="ko-KR" sz="4000" dirty="0" smtClean="0"/>
-              <a:t>(</a:t>
-            </a:r>
-            <a:r>
-              <a:rPr lang="ko-KR" altLang="en-US" sz="4000" dirty="0" smtClean="0"/>
-              <a:t>보라색 연기로 표현</a:t>
-            </a:r>
-            <a:r>
-              <a:rPr lang="en-US" altLang="ko-KR" sz="4000" dirty="0" smtClean="0"/>
-              <a:t>)</a:t>
-            </a:r>
-            <a:r>
-              <a:rPr lang="ko-KR" altLang="en-US" sz="4000" dirty="0" smtClean="0"/>
-              <a:t>가 퍼지며 시민들이 좀비가 된다</a:t>
-            </a:r>
-            <a:r>
-              <a:rPr lang="en-US" altLang="ko-KR" sz="4000" dirty="0" smtClean="0"/>
-              <a:t>.) &lt;</a:t>
-            </a:r>
-            <a:r>
-              <a:rPr lang="ko-KR" altLang="en-US" sz="4000" dirty="0" smtClean="0"/>
-              <a:t>연출</a:t>
-            </a:r>
-            <a:r>
-              <a:rPr lang="en-US" altLang="ko-KR" sz="4000" dirty="0" smtClean="0"/>
-              <a:t>, play </a:t>
-            </a:r>
-            <a:r>
-              <a:rPr lang="ko-KR" altLang="en-US" sz="4000" dirty="0" smtClean="0"/>
-              <a:t>불가</a:t>
-            </a:r>
-            <a:r>
-              <a:rPr lang="en-US" altLang="ko-KR" sz="4000" dirty="0" smtClean="0"/>
-              <a:t>&gt;</a:t>
-            </a:r>
-          </a:p>
-          <a:p>
-            <a:pPr>
-              <a:lnSpc>
-                <a:spcPct val="170000"/>
-              </a:lnSpc>
-              <a:buNone/>
-            </a:pPr>
-            <a:r>
-              <a:rPr lang="en-US" altLang="ko-KR" sz="4000" dirty="0" smtClean="0"/>
-              <a:t>2.</a:t>
-            </a:r>
-            <a:r>
-              <a:rPr lang="ko-KR" altLang="en-US" sz="4000" dirty="0" smtClean="0"/>
-              <a:t>우주씬</a:t>
-            </a:r>
-            <a:r>
-              <a:rPr lang="en-US" altLang="ko-KR" sz="4000" dirty="0" smtClean="0"/>
-              <a:t>, </a:t>
-            </a:r>
-            <a:r>
-              <a:rPr lang="ko-KR" altLang="en-US" sz="4000" dirty="0" err="1" smtClean="0"/>
-              <a:t>주인공이탄</a:t>
-            </a:r>
-            <a:r>
-              <a:rPr lang="ko-KR" altLang="en-US" sz="4000" dirty="0" smtClean="0"/>
-              <a:t> 우주선이 보여진다</a:t>
-            </a:r>
-            <a:r>
-              <a:rPr lang="en-US" altLang="ko-KR" sz="4000" dirty="0" smtClean="0"/>
-              <a:t>. </a:t>
-            </a:r>
-            <a:r>
-              <a:rPr lang="ko-KR" altLang="en-US" sz="4000" dirty="0" smtClean="0"/>
-              <a:t>게임 배경에 대한 주인공의 독백으로 설명이 나온다</a:t>
-            </a:r>
-            <a:r>
-              <a:rPr lang="en-US" altLang="ko-KR" sz="4000" dirty="0" smtClean="0"/>
-              <a:t>(</a:t>
-            </a:r>
-            <a:r>
-              <a:rPr lang="ko-KR" altLang="en-US" sz="4000" dirty="0" smtClean="0"/>
-              <a:t>영화 </a:t>
-            </a:r>
-            <a:r>
-              <a:rPr lang="ko-KR" altLang="en-US" sz="4000" dirty="0" err="1" smtClean="0"/>
-              <a:t>아바타</a:t>
-            </a:r>
-            <a:r>
-              <a:rPr lang="ko-KR" altLang="en-US" sz="4000" dirty="0" smtClean="0"/>
-              <a:t> </a:t>
-            </a:r>
-            <a:r>
-              <a:rPr lang="ko-KR" altLang="en-US" sz="4000" dirty="0" err="1" smtClean="0"/>
-              <a:t>처럼</a:t>
-            </a:r>
-            <a:r>
-              <a:rPr lang="en-US" altLang="ko-KR" sz="4000" dirty="0" smtClean="0"/>
-              <a:t>) &lt;</a:t>
-            </a:r>
-            <a:r>
-              <a:rPr lang="ko-KR" altLang="en-US" sz="4000" dirty="0" smtClean="0"/>
-              <a:t>연출</a:t>
-            </a:r>
-            <a:r>
-              <a:rPr lang="en-US" altLang="ko-KR" sz="4000" dirty="0" smtClean="0"/>
-              <a:t>, play </a:t>
-            </a:r>
-            <a:r>
-              <a:rPr lang="ko-KR" altLang="en-US" sz="4000" dirty="0" smtClean="0"/>
-              <a:t>불가</a:t>
-            </a:r>
-            <a:r>
-              <a:rPr lang="en-US" altLang="ko-KR" sz="4000" dirty="0" smtClean="0"/>
-              <a:t>&gt;</a:t>
-            </a:r>
-          </a:p>
-          <a:p>
-            <a:pPr>
-              <a:lnSpc>
-                <a:spcPct val="170000"/>
-              </a:lnSpc>
-              <a:buNone/>
-            </a:pPr>
-            <a:r>
-              <a:rPr lang="en-US" altLang="ko-KR" sz="4000" dirty="0" smtClean="0"/>
-              <a:t>3.</a:t>
-            </a:r>
-            <a:r>
-              <a:rPr lang="ko-KR" altLang="en-US" sz="4000" dirty="0" err="1" smtClean="0"/>
-              <a:t>드랍십</a:t>
-            </a:r>
-            <a:r>
-              <a:rPr lang="ko-KR" altLang="en-US" sz="4000" dirty="0" smtClean="0"/>
-              <a:t> 비행장면</a:t>
-            </a:r>
-            <a:r>
-              <a:rPr lang="en-US" altLang="ko-KR" sz="4000" dirty="0" smtClean="0"/>
-              <a:t>(</a:t>
-            </a:r>
-            <a:r>
-              <a:rPr lang="ko-KR" altLang="en-US" sz="4000" dirty="0" smtClean="0"/>
-              <a:t>역시 주인공의 독백이 나온다</a:t>
-            </a:r>
-            <a:r>
-              <a:rPr lang="en-US" altLang="ko-KR" sz="4000" dirty="0" smtClean="0"/>
-              <a:t>.) play </a:t>
-            </a:r>
-            <a:r>
-              <a:rPr lang="ko-KR" altLang="en-US" sz="4000" dirty="0" smtClean="0"/>
-              <a:t>불가</a:t>
-            </a:r>
-          </a:p>
-          <a:p>
-            <a:pPr>
-              <a:lnSpc>
-                <a:spcPct val="170000"/>
-              </a:lnSpc>
-              <a:buNone/>
-            </a:pPr>
-            <a:r>
-              <a:rPr lang="en-US" altLang="ko-KR" sz="4000" dirty="0" smtClean="0"/>
-              <a:t>4.</a:t>
-            </a:r>
-            <a:r>
-              <a:rPr lang="ko-KR" altLang="en-US" sz="4000" dirty="0" smtClean="0"/>
-              <a:t>식민지 전경 밤</a:t>
-            </a:r>
-            <a:r>
-              <a:rPr lang="en-US" altLang="ko-KR" sz="4000" dirty="0" smtClean="0"/>
-              <a:t>: </a:t>
-            </a:r>
-            <a:r>
-              <a:rPr lang="ko-KR" altLang="en-US" sz="4000" dirty="0" err="1" smtClean="0"/>
-              <a:t>드랍십이</a:t>
-            </a:r>
-            <a:r>
-              <a:rPr lang="ko-KR" altLang="en-US" sz="4000" dirty="0" smtClean="0"/>
-              <a:t> 식민지 전경과 함께 보여지며 게임 타이틀이 나온다</a:t>
-            </a:r>
-            <a:r>
-              <a:rPr lang="en-US" altLang="ko-KR" sz="4000" dirty="0" smtClean="0"/>
-              <a:t>.(Escape from N2 Planet) &lt;</a:t>
-            </a:r>
-            <a:r>
-              <a:rPr lang="ko-KR" altLang="en-US" sz="4000" dirty="0" smtClean="0"/>
-              <a:t> 연출</a:t>
-            </a:r>
-            <a:r>
-              <a:rPr lang="en-US" altLang="ko-KR" sz="4000" dirty="0" smtClean="0"/>
-              <a:t>, play </a:t>
-            </a:r>
-            <a:r>
-              <a:rPr lang="ko-KR" altLang="en-US" sz="4000" dirty="0" smtClean="0"/>
-              <a:t>불가</a:t>
-            </a:r>
-            <a:r>
-              <a:rPr lang="en-US" altLang="ko-KR" sz="4000" dirty="0" smtClean="0"/>
-              <a:t>&gt;</a:t>
-            </a:r>
-          </a:p>
-          <a:p>
-            <a:pPr>
-              <a:lnSpc>
-                <a:spcPct val="170000"/>
-              </a:lnSpc>
-              <a:buNone/>
-            </a:pPr>
-            <a:r>
-              <a:rPr lang="en-US" altLang="ko-KR" sz="4000" dirty="0" smtClean="0"/>
-              <a:t>5.</a:t>
-            </a:r>
-            <a:r>
-              <a:rPr lang="ko-KR" altLang="en-US" sz="4000" dirty="0" err="1" smtClean="0"/>
-              <a:t>드랍십</a:t>
-            </a:r>
-            <a:r>
-              <a:rPr lang="ko-KR" altLang="en-US" sz="4000" dirty="0" smtClean="0"/>
-              <a:t> </a:t>
-            </a:r>
-            <a:r>
-              <a:rPr lang="ko-KR" altLang="en-US" sz="4000" dirty="0" err="1" smtClean="0"/>
-              <a:t>착륙씬</a:t>
-            </a:r>
-            <a:r>
-              <a:rPr lang="ko-KR" altLang="en-US" sz="4000" dirty="0" smtClean="0"/>
-              <a:t> </a:t>
-            </a:r>
-            <a:r>
-              <a:rPr lang="en-US" altLang="ko-KR" sz="4000" dirty="0" smtClean="0"/>
-              <a:t>(</a:t>
-            </a:r>
-            <a:r>
-              <a:rPr lang="ko-KR" altLang="en-US" sz="4000" dirty="0" smtClean="0"/>
-              <a:t>식민지 옆 개활지에 착륙한다</a:t>
-            </a:r>
-            <a:r>
-              <a:rPr lang="en-US" altLang="ko-KR" sz="4000" dirty="0" smtClean="0"/>
-              <a:t>. </a:t>
-            </a:r>
-            <a:r>
-              <a:rPr lang="ko-KR" altLang="en-US" sz="4000" dirty="0" smtClean="0"/>
-              <a:t>이유</a:t>
-            </a:r>
-            <a:r>
-              <a:rPr lang="en-US" altLang="ko-KR" sz="4000" dirty="0" smtClean="0"/>
-              <a:t>: </a:t>
-            </a:r>
-            <a:r>
-              <a:rPr lang="ko-KR" altLang="en-US" sz="4000" dirty="0" smtClean="0"/>
-              <a:t>식민지와 연락이 안되어 식민지 입구를 열지 못함</a:t>
-            </a:r>
-            <a:r>
-              <a:rPr lang="en-US" altLang="ko-KR" sz="4000" dirty="0" smtClean="0"/>
-              <a:t>) </a:t>
-            </a:r>
-            <a:r>
-              <a:rPr lang="ko-KR" altLang="en-US" sz="4000" dirty="0" err="1" smtClean="0"/>
-              <a:t>드랍십</a:t>
-            </a:r>
-            <a:r>
-              <a:rPr lang="ko-KR" altLang="en-US" sz="4000" dirty="0" smtClean="0"/>
-              <a:t> 착륙 후 </a:t>
-            </a:r>
-            <a:r>
-              <a:rPr lang="ko-KR" altLang="en-US" sz="4000" dirty="0" err="1" smtClean="0"/>
-              <a:t>좀비들</a:t>
-            </a:r>
-            <a:r>
-              <a:rPr lang="ko-KR" altLang="en-US" sz="4000" dirty="0" smtClean="0"/>
-              <a:t> 달려와서 주인공 동료들을 다 물어뜯어 죽임</a:t>
-            </a:r>
-            <a:r>
-              <a:rPr lang="en-US" altLang="ko-KR" sz="4000" dirty="0" smtClean="0"/>
-              <a:t>(</a:t>
-            </a:r>
-            <a:r>
-              <a:rPr lang="ko-KR" altLang="en-US" sz="4000" dirty="0" smtClean="0"/>
-              <a:t>여기서 </a:t>
-            </a:r>
-            <a:r>
-              <a:rPr lang="ko-KR" altLang="en-US" sz="4000" dirty="0" err="1" smtClean="0"/>
-              <a:t>부터</a:t>
-            </a:r>
-            <a:r>
-              <a:rPr lang="ko-KR" altLang="en-US" sz="4000" dirty="0" smtClean="0"/>
-              <a:t> </a:t>
-            </a:r>
-            <a:r>
-              <a:rPr lang="en-US" altLang="ko-KR" sz="4000" dirty="0" smtClean="0"/>
-              <a:t>play </a:t>
-            </a:r>
-            <a:r>
-              <a:rPr lang="ko-KR" altLang="en-US" sz="4000" dirty="0" smtClean="0"/>
-              <a:t>가능</a:t>
-            </a:r>
-            <a:r>
-              <a:rPr lang="en-US" altLang="ko-KR" sz="4000" dirty="0" smtClean="0"/>
-              <a:t>~~)</a:t>
-            </a:r>
-          </a:p>
-          <a:p>
-            <a:pPr>
-              <a:lnSpc>
-                <a:spcPct val="170000"/>
-              </a:lnSpc>
-              <a:buNone/>
-            </a:pPr>
-            <a:r>
-              <a:rPr lang="en-US" altLang="ko-KR" sz="4000" dirty="0" smtClean="0"/>
-              <a:t>6. 5-&gt;6 </a:t>
-            </a:r>
-            <a:r>
-              <a:rPr lang="ko-KR" altLang="en-US" sz="4000" dirty="0" smtClean="0"/>
-              <a:t>지하 연구소로 이동 </a:t>
-            </a:r>
-            <a:r>
-              <a:rPr lang="en-US" altLang="ko-KR" sz="4000" dirty="0" smtClean="0"/>
-              <a:t>(</a:t>
-            </a:r>
-            <a:r>
-              <a:rPr lang="ko-KR" altLang="en-US" sz="4000" dirty="0" smtClean="0"/>
-              <a:t>연구소는 지상에 입구만 보인다</a:t>
-            </a:r>
-            <a:r>
-              <a:rPr lang="en-US" altLang="ko-KR" sz="4000" dirty="0" smtClean="0"/>
-              <a:t>. H-Bio Tech </a:t>
-            </a:r>
-            <a:r>
-              <a:rPr lang="ko-KR" altLang="en-US" sz="4000" dirty="0" smtClean="0"/>
-              <a:t>이름이 입구에 보임</a:t>
-            </a:r>
-            <a:r>
-              <a:rPr lang="en-US" altLang="ko-KR" sz="4000" dirty="0" smtClean="0"/>
-              <a:t>.)</a:t>
-            </a:r>
-          </a:p>
-          <a:p>
-            <a:pPr>
-              <a:lnSpc>
-                <a:spcPct val="170000"/>
-              </a:lnSpc>
-              <a:buNone/>
-            </a:pPr>
-            <a:r>
-              <a:rPr lang="en-US" altLang="ko-KR" sz="4000" dirty="0" smtClean="0"/>
-              <a:t>7.</a:t>
-            </a:r>
-            <a:r>
-              <a:rPr lang="ko-KR" altLang="en-US" sz="4000" dirty="0" smtClean="0"/>
-              <a:t>지하 연구소 </a:t>
-            </a:r>
-            <a:r>
-              <a:rPr lang="en-US" altLang="ko-KR" sz="4000" dirty="0" smtClean="0"/>
-              <a:t>2</a:t>
-            </a:r>
-            <a:r>
-              <a:rPr lang="ko-KR" altLang="en-US" sz="4000" dirty="0" smtClean="0"/>
-              <a:t>층에 여자친구 만남</a:t>
-            </a:r>
-            <a:r>
-              <a:rPr lang="en-US" altLang="ko-KR" sz="4000" dirty="0" smtClean="0"/>
-              <a:t>. </a:t>
-            </a:r>
-            <a:r>
-              <a:rPr lang="ko-KR" altLang="en-US" sz="4000" dirty="0" smtClean="0"/>
-              <a:t>여자친구는 </a:t>
-            </a:r>
-            <a:r>
-              <a:rPr lang="en-US" altLang="ko-KR" sz="4000" dirty="0" smtClean="0"/>
-              <a:t>panic room</a:t>
-            </a:r>
-            <a:r>
-              <a:rPr lang="ko-KR" altLang="en-US" sz="4000" dirty="0" smtClean="0"/>
-              <a:t>에 숨어있었음</a:t>
-            </a:r>
-            <a:r>
-              <a:rPr lang="en-US" altLang="ko-KR" sz="4000" dirty="0" smtClean="0"/>
-              <a:t>. </a:t>
-            </a:r>
-            <a:r>
-              <a:rPr lang="ko-KR" altLang="en-US" sz="4000" dirty="0" smtClean="0"/>
-              <a:t>여자친구가 바이러스와 감염자에 대한 설명을 해준다</a:t>
-            </a:r>
-            <a:r>
-              <a:rPr lang="en-US" altLang="ko-KR" sz="4000" dirty="0" smtClean="0"/>
-              <a:t>. </a:t>
-            </a:r>
-            <a:r>
-              <a:rPr lang="ko-KR" altLang="en-US" sz="4000" dirty="0" smtClean="0"/>
-              <a:t>마지막 </a:t>
-            </a:r>
-            <a:r>
-              <a:rPr lang="ko-KR" altLang="en-US" sz="4000" dirty="0" err="1" smtClean="0"/>
-              <a:t>끝층</a:t>
-            </a:r>
-            <a:r>
-              <a:rPr lang="ko-KR" altLang="en-US" sz="4000" dirty="0" smtClean="0"/>
-              <a:t> 지하 </a:t>
-            </a:r>
-            <a:r>
-              <a:rPr lang="en-US" altLang="ko-KR" sz="4000" dirty="0" smtClean="0"/>
-              <a:t>3</a:t>
-            </a:r>
-            <a:r>
-              <a:rPr lang="ko-KR" altLang="en-US" sz="4000" dirty="0" smtClean="0"/>
-              <a:t>층에 백신이 있다고 하여 여자친구와 </a:t>
-            </a:r>
-            <a:r>
-              <a:rPr lang="en-US" altLang="ko-KR" sz="4000" dirty="0" smtClean="0"/>
-              <a:t>3</a:t>
-            </a:r>
-            <a:r>
-              <a:rPr lang="ko-KR" altLang="en-US" sz="4000" dirty="0" smtClean="0"/>
-              <a:t>층으로 이동하려고 하는데</a:t>
-            </a:r>
-          </a:p>
-          <a:p>
-            <a:pPr>
-              <a:lnSpc>
-                <a:spcPct val="170000"/>
-              </a:lnSpc>
-              <a:buNone/>
-            </a:pPr>
-            <a:r>
-              <a:rPr lang="ko-KR" altLang="en-US" sz="4000" dirty="0" smtClean="0"/>
-              <a:t> </a:t>
-            </a:r>
-            <a:r>
-              <a:rPr lang="en-US" altLang="ko-KR" sz="4000" dirty="0" smtClean="0"/>
-              <a:t>3</a:t>
-            </a:r>
-            <a:r>
-              <a:rPr lang="ko-KR" altLang="en-US" sz="4000" dirty="0" smtClean="0"/>
-              <a:t>층 문이 잠겨 </a:t>
-            </a:r>
-            <a:r>
-              <a:rPr lang="en-US" altLang="ko-KR" sz="4000" dirty="0" smtClean="0"/>
-              <a:t>3</a:t>
-            </a:r>
-            <a:r>
-              <a:rPr lang="ko-KR" altLang="en-US" sz="4000" dirty="0" smtClean="0"/>
-              <a:t>층 열쇠를 </a:t>
-            </a:r>
-            <a:r>
-              <a:rPr lang="ko-KR" altLang="en-US" sz="4000" dirty="0" err="1" smtClean="0"/>
-              <a:t>얻기위해</a:t>
-            </a:r>
-            <a:r>
-              <a:rPr lang="ko-KR" altLang="en-US" sz="4000" dirty="0" smtClean="0"/>
-              <a:t> 연구소 내부를 수색한다</a:t>
-            </a:r>
-            <a:r>
-              <a:rPr lang="en-US" altLang="ko-KR" sz="4000" dirty="0" smtClean="0"/>
-              <a:t>. </a:t>
-            </a:r>
-            <a:r>
-              <a:rPr lang="ko-KR" altLang="en-US" sz="4000" dirty="0" smtClean="0"/>
-              <a:t>수색하며 마주친 </a:t>
-            </a:r>
-            <a:r>
-              <a:rPr lang="ko-KR" altLang="en-US" sz="4000" dirty="0" err="1" smtClean="0"/>
-              <a:t>좀비들은</a:t>
-            </a:r>
-            <a:r>
-              <a:rPr lang="ko-KR" altLang="en-US" sz="4000" dirty="0" smtClean="0"/>
-              <a:t> 모두 없앤다</a:t>
-            </a:r>
-            <a:r>
-              <a:rPr lang="en-US" altLang="ko-KR" sz="4000" dirty="0" smtClean="0"/>
-              <a:t>. </a:t>
-            </a:r>
-            <a:r>
-              <a:rPr lang="ko-KR" altLang="en-US" sz="4000" dirty="0" smtClean="0"/>
-              <a:t>연구소 내부에서 연구소 경비가 쓰던 </a:t>
-            </a:r>
-            <a:r>
-              <a:rPr lang="ko-KR" altLang="en-US" sz="4000" dirty="0" err="1" smtClean="0"/>
-              <a:t>샷건을</a:t>
-            </a:r>
-            <a:r>
-              <a:rPr lang="ko-KR" altLang="en-US" sz="4000" dirty="0" smtClean="0"/>
-              <a:t> 발견하여 쓰게 된다</a:t>
-            </a:r>
-            <a:r>
-              <a:rPr lang="en-US" altLang="ko-KR" sz="4000" dirty="0" smtClean="0"/>
-              <a:t>.</a:t>
-            </a:r>
-          </a:p>
-          <a:p>
-            <a:pPr>
-              <a:lnSpc>
-                <a:spcPct val="170000"/>
-              </a:lnSpc>
-              <a:buNone/>
-            </a:pPr>
-            <a:r>
-              <a:rPr lang="en-US" altLang="ko-KR" sz="4000" dirty="0" smtClean="0"/>
-              <a:t>8.</a:t>
-            </a:r>
-            <a:r>
-              <a:rPr lang="ko-KR" altLang="en-US" sz="4000" dirty="0" smtClean="0"/>
-              <a:t>백신을 구하고 나서</a:t>
-            </a:r>
-            <a:r>
-              <a:rPr lang="en-US" altLang="ko-KR" sz="4000" dirty="0" smtClean="0"/>
-              <a:t>. </a:t>
-            </a:r>
-            <a:r>
-              <a:rPr lang="ko-KR" altLang="en-US" sz="4000" dirty="0" smtClean="0"/>
-              <a:t>연구소 건물에서 컨트롤 룸으로 이동하여 식민지 외부에 있는 </a:t>
-            </a:r>
-            <a:r>
-              <a:rPr lang="ko-KR" altLang="en-US" sz="4000" dirty="0" err="1" smtClean="0"/>
-              <a:t>드랍십을</a:t>
-            </a:r>
-            <a:r>
-              <a:rPr lang="ko-KR" altLang="en-US" sz="4000" dirty="0" smtClean="0"/>
-              <a:t> 원격 조종으로 연구소 옆으로 불러온다</a:t>
-            </a:r>
-            <a:r>
-              <a:rPr lang="en-US" altLang="ko-KR" sz="4000" dirty="0" smtClean="0"/>
-              <a:t>.</a:t>
-            </a:r>
-          </a:p>
-          <a:p>
-            <a:pPr>
-              <a:lnSpc>
-                <a:spcPct val="170000"/>
-              </a:lnSpc>
-              <a:buNone/>
-            </a:pPr>
-            <a:r>
-              <a:rPr lang="en-US" altLang="ko-KR" sz="4000" dirty="0" smtClean="0"/>
-              <a:t>9.</a:t>
-            </a:r>
-            <a:r>
-              <a:rPr lang="ko-KR" altLang="en-US" sz="4000" dirty="0" smtClean="0"/>
-              <a:t>여자 주인공이 남자 주인공에게 어서 가서 </a:t>
-            </a:r>
-            <a:r>
-              <a:rPr lang="ko-KR" altLang="en-US" sz="4000" dirty="0" err="1" smtClean="0"/>
-              <a:t>드랍십</a:t>
-            </a:r>
-            <a:r>
-              <a:rPr lang="ko-KR" altLang="en-US" sz="4000" dirty="0" smtClean="0"/>
-              <a:t> 출발 준비를 하라고 한다</a:t>
-            </a:r>
-            <a:r>
-              <a:rPr lang="en-US" altLang="ko-KR" sz="4000" dirty="0" smtClean="0"/>
-              <a:t>. </a:t>
-            </a:r>
-            <a:r>
-              <a:rPr lang="ko-KR" altLang="en-US" sz="4000" dirty="0" smtClean="0"/>
-              <a:t>자신은 식민지 폭파 카운트 다운을 하겠다고 한다</a:t>
-            </a:r>
-            <a:r>
-              <a:rPr lang="en-US" altLang="ko-KR" sz="4000" dirty="0" smtClean="0"/>
-              <a:t>.</a:t>
-            </a:r>
-          </a:p>
-          <a:p>
-            <a:pPr>
-              <a:lnSpc>
-                <a:spcPct val="170000"/>
-              </a:lnSpc>
-              <a:buNone/>
-            </a:pPr>
-            <a:r>
-              <a:rPr lang="en-US" altLang="ko-KR" sz="4000" dirty="0" smtClean="0"/>
-              <a:t>10.</a:t>
-            </a:r>
-            <a:r>
-              <a:rPr lang="ko-KR" altLang="en-US" sz="4000" dirty="0" smtClean="0"/>
-              <a:t>남자 주인공이 </a:t>
-            </a:r>
-            <a:r>
-              <a:rPr lang="ko-KR" altLang="en-US" sz="4000" dirty="0" err="1" smtClean="0"/>
-              <a:t>드랍십으로</a:t>
-            </a:r>
-            <a:r>
-              <a:rPr lang="ko-KR" altLang="en-US" sz="4000" dirty="0" smtClean="0"/>
-              <a:t> 가고</a:t>
-            </a:r>
-            <a:r>
-              <a:rPr lang="en-US" altLang="ko-KR" sz="4000" dirty="0" smtClean="0"/>
-              <a:t>.. </a:t>
-            </a:r>
-            <a:r>
-              <a:rPr lang="ko-KR" altLang="en-US" sz="4000" dirty="0" smtClean="0"/>
-              <a:t>여자주인공 시점에서 컨트롤 룸의 컴퓨터로 식민지 폭파 조작을 한다</a:t>
-            </a:r>
-            <a:r>
-              <a:rPr lang="en-US" altLang="ko-KR" sz="4000" dirty="0" smtClean="0"/>
-              <a:t>. </a:t>
-            </a:r>
-            <a:r>
-              <a:rPr lang="ko-KR" altLang="en-US" sz="4000" dirty="0" smtClean="0"/>
-              <a:t>이때 </a:t>
-            </a:r>
-            <a:r>
-              <a:rPr lang="ko-KR" altLang="en-US" sz="4000" dirty="0" err="1" smtClean="0"/>
-              <a:t>좀비떼들이</a:t>
-            </a:r>
-            <a:r>
-              <a:rPr lang="ko-KR" altLang="en-US" sz="4000" dirty="0" smtClean="0"/>
-              <a:t> 컨트롤 룸으로 모여 들게 된다</a:t>
-            </a:r>
-            <a:r>
-              <a:rPr lang="en-US" altLang="ko-KR" sz="4000" dirty="0" smtClean="0"/>
-              <a:t>.</a:t>
-            </a:r>
-          </a:p>
-          <a:p>
-            <a:pPr>
-              <a:lnSpc>
-                <a:spcPct val="170000"/>
-              </a:lnSpc>
-              <a:buNone/>
-            </a:pPr>
-            <a:r>
-              <a:rPr lang="en-US" altLang="ko-KR" sz="4000" dirty="0" smtClean="0"/>
-              <a:t>11. </a:t>
-            </a:r>
-            <a:r>
-              <a:rPr lang="ko-KR" altLang="en-US" sz="4000" dirty="0" smtClean="0"/>
-              <a:t>주인공 시점으로 변경이 되고 </a:t>
-            </a:r>
-            <a:r>
-              <a:rPr lang="ko-KR" altLang="en-US" sz="4000" dirty="0" err="1" smtClean="0"/>
-              <a:t>드랍십</a:t>
-            </a:r>
-            <a:r>
-              <a:rPr lang="ko-KR" altLang="en-US" sz="4000" dirty="0" smtClean="0"/>
-              <a:t> 조종석에서 여자친구의 무전을 듣게 된다</a:t>
-            </a:r>
-            <a:r>
-              <a:rPr lang="en-US" altLang="ko-KR" sz="4000" dirty="0" smtClean="0"/>
-              <a:t>. "</a:t>
-            </a:r>
-            <a:r>
-              <a:rPr lang="ko-KR" altLang="en-US" sz="4000" dirty="0" smtClean="0"/>
-              <a:t>나는 </a:t>
-            </a:r>
-            <a:r>
-              <a:rPr lang="ko-KR" altLang="en-US" sz="4000" dirty="0" err="1" smtClean="0"/>
-              <a:t>여기까지인가봐</a:t>
-            </a:r>
-            <a:r>
-              <a:rPr lang="ko-KR" altLang="en-US" sz="4000" dirty="0" smtClean="0"/>
-              <a:t> 탐 나를 기억해줘</a:t>
-            </a:r>
-            <a:r>
-              <a:rPr lang="en-US" altLang="ko-KR" sz="4000" dirty="0" smtClean="0"/>
-              <a:t>.. </a:t>
-            </a:r>
-            <a:r>
-              <a:rPr lang="ko-KR" altLang="en-US" sz="4000" dirty="0" smtClean="0"/>
-              <a:t>탕</a:t>
-            </a:r>
-            <a:r>
-              <a:rPr lang="en-US" altLang="ko-KR" sz="4000" dirty="0" smtClean="0"/>
-              <a:t>" &lt;</a:t>
-            </a:r>
-            <a:r>
-              <a:rPr lang="ko-KR" altLang="en-US" sz="4000" dirty="0" smtClean="0"/>
-              <a:t> 연출</a:t>
-            </a:r>
-            <a:r>
-              <a:rPr lang="en-US" altLang="ko-KR" sz="4000" dirty="0" smtClean="0"/>
-              <a:t>, play </a:t>
-            </a:r>
-            <a:r>
-              <a:rPr lang="ko-KR" altLang="en-US" sz="4000" dirty="0" smtClean="0"/>
-              <a:t>불가</a:t>
-            </a:r>
-            <a:r>
-              <a:rPr lang="en-US" altLang="ko-KR" sz="4000" dirty="0" smtClean="0"/>
-              <a:t>&gt;</a:t>
-            </a:r>
-          </a:p>
-          <a:p>
-            <a:pPr>
-              <a:lnSpc>
-                <a:spcPct val="170000"/>
-              </a:lnSpc>
-              <a:buNone/>
-            </a:pPr>
-            <a:r>
-              <a:rPr lang="en-US" altLang="ko-KR" sz="4000" dirty="0" smtClean="0"/>
-              <a:t>12.</a:t>
-            </a:r>
-            <a:r>
-              <a:rPr lang="ko-KR" altLang="en-US" sz="4000" dirty="0" smtClean="0"/>
-              <a:t>주인공은 눈물을 흘리며 </a:t>
-            </a:r>
-            <a:r>
-              <a:rPr lang="ko-KR" altLang="en-US" sz="4000" dirty="0" err="1" smtClean="0"/>
-              <a:t>드랍십이</a:t>
-            </a:r>
-            <a:r>
-              <a:rPr lang="ko-KR" altLang="en-US" sz="4000" dirty="0" smtClean="0"/>
-              <a:t> 공중으로 뜨고</a:t>
-            </a:r>
-            <a:r>
-              <a:rPr lang="en-US" altLang="ko-KR" sz="4000" dirty="0" smtClean="0"/>
-              <a:t>.. </a:t>
-            </a:r>
-            <a:r>
-              <a:rPr lang="ko-KR" altLang="en-US" sz="4000" dirty="0" smtClean="0"/>
-              <a:t>비행을 하며 하늘로 올라가려던 와중 </a:t>
-            </a:r>
-            <a:r>
-              <a:rPr lang="ko-KR" altLang="en-US" sz="4000" dirty="0" err="1" smtClean="0"/>
-              <a:t>좀비들이</a:t>
-            </a:r>
-            <a:r>
-              <a:rPr lang="ko-KR" altLang="en-US" sz="4000" dirty="0" smtClean="0"/>
-              <a:t> 달려들어 </a:t>
-            </a:r>
-            <a:r>
-              <a:rPr lang="ko-KR" altLang="en-US" sz="4000" dirty="0" err="1" smtClean="0"/>
-              <a:t>드랍십의</a:t>
-            </a:r>
-            <a:r>
-              <a:rPr lang="ko-KR" altLang="en-US" sz="4000" dirty="0" smtClean="0"/>
-              <a:t> 엔진에 불이 붙으며</a:t>
-            </a:r>
-            <a:r>
-              <a:rPr lang="en-US" altLang="ko-KR" sz="4000" dirty="0" smtClean="0"/>
-              <a:t>.. </a:t>
-            </a:r>
-            <a:r>
-              <a:rPr lang="ko-KR" altLang="en-US" sz="4000" dirty="0" smtClean="0"/>
-              <a:t>화면이 멈추고 </a:t>
-            </a:r>
-            <a:r>
-              <a:rPr lang="en-US" altLang="ko-KR" sz="4000" dirty="0" smtClean="0"/>
-              <a:t>(To Be Continued)</a:t>
-            </a:r>
-          </a:p>
-          <a:p>
-            <a:pPr>
-              <a:lnSpc>
-                <a:spcPct val="170000"/>
-              </a:lnSpc>
-              <a:buNone/>
-            </a:pPr>
-            <a:r>
-              <a:rPr lang="en-US" altLang="ko-KR" sz="4000" dirty="0" smtClean="0"/>
-              <a:t>&lt;</a:t>
-            </a:r>
-            <a:r>
-              <a:rPr lang="ko-KR" altLang="en-US" sz="4000" dirty="0" smtClean="0"/>
-              <a:t> 연출</a:t>
-            </a:r>
-            <a:r>
-              <a:rPr lang="en-US" altLang="ko-KR" sz="4000" dirty="0" smtClean="0"/>
-              <a:t>, play </a:t>
-            </a:r>
-            <a:r>
-              <a:rPr lang="ko-KR" altLang="en-US" sz="4000" dirty="0" smtClean="0"/>
-              <a:t>불가</a:t>
-            </a:r>
-            <a:r>
-              <a:rPr lang="en-US" altLang="ko-KR" sz="4000" dirty="0" smtClean="0"/>
-              <a:t>&gt;</a:t>
-            </a:r>
-          </a:p>
-          <a:p>
-            <a:endParaRPr lang="ko-KR" altLang="en-US" dirty="0"/>
-          </a:p>
-        </p:txBody>
-      </p:sp>
-    </p:spTree>
-  </p:cSld>
-  <p:clrMapOvr>
-    <a:masterClrMapping/>
-  </p:clrMapOvr>
-  <p:timing>
-    <p:tnLst>
-      <p:par>
-        <p:cTn id="1" dur="indefinite" restart="never" nodeType="tmRoot"/>
-      </p:par>
-    </p:tnLst>
-  </p:timing>
-</p:sld>
-</file>
-
 <file path=ppt/slides/slide7.xml><?xml version="1.0" encoding="utf-8"?>
 <p:sld xmlns:a="http://schemas.openxmlformats.org/drawingml/2006/main" xmlns:r="http://schemas.openxmlformats.org/officeDocument/2006/relationships" xmlns:p="http://schemas.openxmlformats.org/presentationml/2006/main">
   <p:cSld>
@@ -8054,10 +7307,15 @@
             <p:ph idx="1"/>
           </p:nvPr>
         </p:nvSpPr>
-        <p:spPr/>
+        <p:spPr>
+          <a:xfrm>
+            <a:off x="467544" y="1340768"/>
+            <a:ext cx="8229600" cy="5328592"/>
+          </a:xfrm>
+        </p:spPr>
         <p:txBody>
           <a:bodyPr>
-            <a:normAutofit fontScale="47500" lnSpcReduction="20000"/>
+            <a:normAutofit fontScale="25000" lnSpcReduction="20000"/>
           </a:bodyPr>
           <a:lstStyle/>
           <a:p>
@@ -8068,10 +7326,73 @@
               <a:buNone/>
             </a:pPr>
             <a:r>
-              <a:rPr lang="ko-KR" altLang="en-US" dirty="0" smtClean="0"/>
-              <a:t>기획상 특이점</a:t>
-            </a:r>
-            <a:endParaRPr lang="en-US" altLang="ko-KR" dirty="0" smtClean="0"/>
+              <a:rPr lang="en-US" altLang="ko-KR" sz="4000" dirty="0" smtClean="0"/>
+              <a:t>1.</a:t>
+            </a:r>
+            <a:r>
+              <a:rPr lang="ko-KR" altLang="en-US" sz="4000" dirty="0" err="1" smtClean="0"/>
+              <a:t>인트로</a:t>
+            </a:r>
+            <a:r>
+              <a:rPr lang="en-US" altLang="ko-KR" sz="4000" dirty="0" smtClean="0"/>
+              <a:t>: </a:t>
+            </a:r>
+            <a:r>
+              <a:rPr lang="ko-KR" altLang="en-US" sz="4000" dirty="0" smtClean="0"/>
+              <a:t>식민지 전경 낮 </a:t>
+            </a:r>
+            <a:r>
+              <a:rPr lang="en-US" altLang="ko-KR" sz="4000" dirty="0" smtClean="0"/>
+              <a:t>(</a:t>
+            </a:r>
+            <a:r>
+              <a:rPr lang="ko-KR" altLang="en-US" sz="4000" dirty="0" smtClean="0"/>
+              <a:t>연구소에 바이러스 퍼지는 장면이 보여짐</a:t>
+            </a:r>
+            <a:r>
+              <a:rPr lang="en-US" altLang="ko-KR" sz="4000" dirty="0" smtClean="0"/>
+              <a:t>. </a:t>
+            </a:r>
+            <a:r>
+              <a:rPr lang="ko-KR" altLang="en-US" sz="4000" dirty="0" smtClean="0"/>
+              <a:t>바이러스 </a:t>
+            </a:r>
+            <a:r>
+              <a:rPr lang="en-US" altLang="ko-KR" sz="4000" dirty="0" smtClean="0"/>
+              <a:t>(</a:t>
+            </a:r>
+            <a:r>
+              <a:rPr lang="ko-KR" altLang="en-US" sz="4000" dirty="0" smtClean="0"/>
+              <a:t>보라색 연기로 표현</a:t>
+            </a:r>
+            <a:r>
+              <a:rPr lang="en-US" altLang="ko-KR" sz="4000" dirty="0" smtClean="0"/>
+              <a:t>)</a:t>
+            </a:r>
+            <a:r>
+              <a:rPr lang="ko-KR" altLang="en-US" sz="4000" dirty="0" smtClean="0"/>
+              <a:t>가 퍼지며 시민들이 좀비가 된다</a:t>
+            </a:r>
+            <a:r>
+              <a:rPr lang="en-US" altLang="ko-KR" sz="4000" dirty="0" smtClean="0"/>
+              <a:t>.) &lt;</a:t>
+            </a:r>
+            <a:r>
+              <a:rPr lang="ko-KR" altLang="en-US" sz="4000" dirty="0" smtClean="0"/>
+              <a:t>연출</a:t>
+            </a:r>
+            <a:r>
+              <a:rPr lang="en-US" altLang="ko-KR" sz="4000" dirty="0" smtClean="0"/>
+              <a:t>, play </a:t>
+            </a:r>
+            <a:r>
+              <a:rPr lang="ko-KR" altLang="en-US" sz="4000" dirty="0" smtClean="0"/>
+              <a:t>불가</a:t>
+            </a:r>
+            <a:r>
+              <a:rPr lang="en-US" altLang="ko-KR" sz="4000" dirty="0" smtClean="0"/>
+              <a:t>&gt;</a:t>
+            </a:r>
           </a:p>
           <a:p>
             <a:pPr>
@@ -8080,269 +7401,726 @@
               </a:lnSpc>
               <a:buNone/>
             </a:pPr>
-            <a:endParaRPr lang="en-US" altLang="ko-KR" dirty="0" smtClean="0"/>
-          </a:p>
-          <a:p>
-            <a:pPr marL="514350" indent="-514350">
+            <a:r>
+              <a:rPr lang="en-US" altLang="ko-KR" sz="4000" dirty="0" smtClean="0"/>
+              <a:t>2.</a:t>
+            </a:r>
+            <a:r>
+              <a:rPr lang="ko-KR" altLang="en-US" sz="4000" dirty="0" smtClean="0"/>
+              <a:t>우주씬</a:t>
+            </a:r>
+            <a:r>
+              <a:rPr lang="en-US" altLang="ko-KR" sz="4000" dirty="0" smtClean="0"/>
+              <a:t>, </a:t>
+            </a:r>
+            <a:r>
+              <a:rPr lang="ko-KR" altLang="en-US" sz="4000" dirty="0" err="1" smtClean="0"/>
+              <a:t>주인공이탄</a:t>
+            </a:r>
+            <a:r>
+              <a:rPr lang="ko-KR" altLang="en-US" sz="4000" dirty="0" smtClean="0"/>
+              <a:t> 우주선이 보여진다</a:t>
+            </a:r>
+            <a:r>
+              <a:rPr lang="en-US" altLang="ko-KR" sz="4000" dirty="0" smtClean="0"/>
+              <a:t>. </a:t>
+            </a:r>
+            <a:r>
+              <a:rPr lang="ko-KR" altLang="en-US" sz="4000" dirty="0" smtClean="0"/>
+              <a:t>게임 배경에 대한 주인공의 독백으로 설명이 나온다</a:t>
+            </a:r>
+            <a:r>
+              <a:rPr lang="en-US" altLang="ko-KR" sz="4000" dirty="0" smtClean="0"/>
+              <a:t>(</a:t>
+            </a:r>
+            <a:r>
+              <a:rPr lang="ko-KR" altLang="en-US" sz="4000" dirty="0" smtClean="0"/>
+              <a:t>영화 </a:t>
+            </a:r>
+            <a:r>
+              <a:rPr lang="ko-KR" altLang="en-US" sz="4000" dirty="0" err="1" smtClean="0"/>
+              <a:t>아바타</a:t>
+            </a:r>
+            <a:r>
+              <a:rPr lang="ko-KR" altLang="en-US" sz="4000" dirty="0" smtClean="0"/>
+              <a:t> </a:t>
+            </a:r>
+            <a:r>
+              <a:rPr lang="ko-KR" altLang="en-US" sz="4000" dirty="0" err="1" smtClean="0"/>
+              <a:t>처럼</a:t>
+            </a:r>
+            <a:r>
+              <a:rPr lang="en-US" altLang="ko-KR" sz="4000" dirty="0" smtClean="0"/>
+              <a:t>) &lt;</a:t>
+            </a:r>
+            <a:r>
+              <a:rPr lang="ko-KR" altLang="en-US" sz="4000" dirty="0" smtClean="0"/>
+              <a:t>연출</a:t>
+            </a:r>
+            <a:r>
+              <a:rPr lang="en-US" altLang="ko-KR" sz="4000" dirty="0" smtClean="0"/>
+              <a:t>, play </a:t>
+            </a:r>
+            <a:r>
+              <a:rPr lang="ko-KR" altLang="en-US" sz="4000" dirty="0" smtClean="0"/>
+              <a:t>불가</a:t>
+            </a:r>
+            <a:r>
+              <a:rPr lang="en-US" altLang="ko-KR" sz="4000" dirty="0" smtClean="0"/>
+              <a:t>&gt;</a:t>
+            </a:r>
+          </a:p>
+          <a:p>
+            <a:pPr>
               <a:lnSpc>
                 <a:spcPct val="170000"/>
               </a:lnSpc>
-              <a:buFont typeface="+mj-lt"/>
-              <a:buAutoNum type="arabicPeriod"/>
+              <a:buNone/>
             </a:pPr>
             <a:r>
-              <a:rPr lang="en-US" altLang="ko-KR" dirty="0" smtClean="0"/>
-              <a:t>F2</a:t>
-            </a:r>
-            <a:r>
-              <a:rPr lang="ko-KR" altLang="en-US" dirty="0" smtClean="0"/>
-              <a:t>키를 누르면 주인공 변경</a:t>
-            </a:r>
-            <a:r>
-              <a:rPr lang="en-US" altLang="ko-KR" dirty="0" smtClean="0"/>
+              <a:rPr lang="en-US" altLang="ko-KR" sz="4000" dirty="0" smtClean="0"/>
+              <a:t>3.</a:t>
+            </a:r>
+            <a:r>
+              <a:rPr lang="ko-KR" altLang="en-US" sz="4000" dirty="0" err="1" smtClean="0"/>
+              <a:t>드랍십</a:t>
+            </a:r>
+            <a:r>
+              <a:rPr lang="ko-KR" altLang="en-US" sz="4000" dirty="0" smtClean="0"/>
+              <a:t> 비행장면</a:t>
+            </a:r>
+            <a:r>
+              <a:rPr lang="en-US" altLang="ko-KR" sz="4000" dirty="0" smtClean="0"/>
               <a:t>(</a:t>
             </a:r>
             <a:r>
-              <a:rPr lang="ko-KR" altLang="en-US" dirty="0" smtClean="0"/>
-              <a:t>여자 </a:t>
-            </a:r>
-            <a:r>
-              <a:rPr lang="en-US" altLang="ko-KR" dirty="0" smtClean="0"/>
-              <a:t>&lt;-&gt; </a:t>
-            </a:r>
-            <a:r>
-              <a:rPr lang="ko-KR" altLang="en-US" dirty="0" smtClean="0"/>
-              <a:t>남자</a:t>
-            </a:r>
-            <a:r>
-              <a:rPr lang="en-US" altLang="ko-KR" dirty="0" smtClean="0"/>
-              <a:t>) </a:t>
-            </a:r>
-            <a:r>
-              <a:rPr lang="ko-KR" altLang="en-US" dirty="0" smtClean="0"/>
-              <a:t>을 할 수 있다</a:t>
-            </a:r>
-            <a:r>
-              <a:rPr lang="en-US" altLang="ko-KR" dirty="0" smtClean="0"/>
-              <a:t>. </a:t>
-            </a:r>
-          </a:p>
-          <a:p>
-            <a:pPr marL="514350" indent="-514350">
+              <a:rPr lang="ko-KR" altLang="en-US" sz="4000" dirty="0" smtClean="0"/>
+              <a:t>역시 주인공의 독백이 나온다</a:t>
+            </a:r>
+            <a:r>
+              <a:rPr lang="en-US" altLang="ko-KR" sz="4000" dirty="0" smtClean="0"/>
+              <a:t>.) play </a:t>
+            </a:r>
+            <a:r>
+              <a:rPr lang="ko-KR" altLang="en-US" sz="4000" dirty="0" smtClean="0"/>
+              <a:t>불가</a:t>
+            </a:r>
+          </a:p>
+          <a:p>
+            <a:pPr>
               <a:lnSpc>
                 <a:spcPct val="170000"/>
               </a:lnSpc>
-              <a:buFont typeface="+mj-lt"/>
-              <a:buAutoNum type="arabicPeriod"/>
+              <a:buNone/>
             </a:pPr>
             <a:r>
-              <a:rPr lang="ko-KR" altLang="en-US" dirty="0" smtClean="0"/>
-              <a:t>여자 주인공은 문을 열 수 있음</a:t>
-            </a:r>
-            <a:r>
-              <a:rPr lang="en-US" altLang="ko-KR" dirty="0" smtClean="0"/>
-              <a:t>(+ </a:t>
-            </a:r>
-            <a:r>
-              <a:rPr lang="ko-KR" altLang="en-US" dirty="0" smtClean="0"/>
-              <a:t>권총사격 가능</a:t>
-            </a:r>
-            <a:r>
-              <a:rPr lang="en-US" altLang="ko-KR" dirty="0" smtClean="0"/>
-              <a:t>) </a:t>
-            </a:r>
-            <a:r>
-              <a:rPr lang="ko-KR" altLang="en-US" dirty="0" smtClean="0"/>
-              <a:t>남자 주인공은 총만 쏠 수 있음</a:t>
-            </a:r>
-            <a:r>
-              <a:rPr lang="en-US" altLang="ko-KR" dirty="0" smtClean="0"/>
-              <a:t>(</a:t>
-            </a:r>
-            <a:r>
-              <a:rPr lang="ko-KR" altLang="en-US" dirty="0" err="1" smtClean="0"/>
-              <a:t>샷건</a:t>
-            </a:r>
-            <a:r>
-              <a:rPr lang="en-US" altLang="ko-KR" dirty="0" smtClean="0"/>
-              <a:t>)</a:t>
-            </a:r>
-          </a:p>
-          <a:p>
-            <a:pPr marL="514350" indent="-514350">
+              <a:rPr lang="en-US" altLang="ko-KR" sz="4000" dirty="0" smtClean="0"/>
+              <a:t>4.</a:t>
+            </a:r>
+            <a:r>
+              <a:rPr lang="ko-KR" altLang="en-US" sz="4000" dirty="0" smtClean="0"/>
+              <a:t>식민지 전경 밤</a:t>
+            </a:r>
+            <a:r>
+              <a:rPr lang="en-US" altLang="ko-KR" sz="4000" dirty="0" smtClean="0"/>
+              <a:t>: </a:t>
+            </a:r>
+            <a:r>
+              <a:rPr lang="ko-KR" altLang="en-US" sz="4000" dirty="0" err="1" smtClean="0"/>
+              <a:t>드랍십이</a:t>
+            </a:r>
+            <a:r>
+              <a:rPr lang="ko-KR" altLang="en-US" sz="4000" dirty="0" smtClean="0"/>
+              <a:t> 식민지 전경과 함께 보여지며 게임 타이틀이 나온다</a:t>
+            </a:r>
+            <a:r>
+              <a:rPr lang="en-US" altLang="ko-KR" sz="4000" dirty="0" smtClean="0"/>
+              <a:t>.(Escape from N2 Planet) &lt;</a:t>
+            </a:r>
+            <a:r>
+              <a:rPr lang="ko-KR" altLang="en-US" sz="4000" dirty="0" smtClean="0"/>
+              <a:t> 연출</a:t>
+            </a:r>
+            <a:r>
+              <a:rPr lang="en-US" altLang="ko-KR" sz="4000" dirty="0" smtClean="0"/>
+              <a:t>, play </a:t>
+            </a:r>
+            <a:r>
+              <a:rPr lang="ko-KR" altLang="en-US" sz="4000" dirty="0" smtClean="0"/>
+              <a:t>불가</a:t>
+            </a:r>
+            <a:r>
+              <a:rPr lang="en-US" altLang="ko-KR" sz="4000" dirty="0" smtClean="0"/>
+              <a:t>&gt;</a:t>
+            </a:r>
+          </a:p>
+          <a:p>
+            <a:pPr>
               <a:lnSpc>
                 <a:spcPct val="170000"/>
               </a:lnSpc>
-              <a:buFont typeface="+mj-lt"/>
-              <a:buAutoNum type="arabicPeriod"/>
+              <a:buNone/>
             </a:pPr>
             <a:r>
-              <a:rPr lang="ko-KR" altLang="en-US" dirty="0" smtClean="0"/>
-              <a:t>여자 주인공은 연구소의 문을 열 수 있고</a:t>
-            </a:r>
-            <a:r>
-              <a:rPr lang="en-US" altLang="ko-KR" dirty="0" smtClean="0"/>
-              <a:t>. N2 </a:t>
-            </a:r>
-            <a:r>
-              <a:rPr lang="ko-KR" altLang="en-US" dirty="0" smtClean="0"/>
-              <a:t>행성의 식민지에 있는 컴퓨터들을 조작 할 수 있다</a:t>
-            </a:r>
-            <a:r>
-              <a:rPr lang="en-US" altLang="ko-KR" dirty="0" smtClean="0"/>
-              <a:t>.</a:t>
-            </a:r>
-          </a:p>
-          <a:p>
-            <a:pPr marL="514350" indent="-514350">
+              <a:rPr lang="en-US" altLang="ko-KR" sz="4000" dirty="0" smtClean="0"/>
+              <a:t>5.</a:t>
+            </a:r>
+            <a:r>
+              <a:rPr lang="ko-KR" altLang="en-US" sz="4000" dirty="0" err="1" smtClean="0"/>
+              <a:t>드랍십</a:t>
+            </a:r>
+            <a:r>
+              <a:rPr lang="ko-KR" altLang="en-US" sz="4000" dirty="0" smtClean="0"/>
+              <a:t> </a:t>
+            </a:r>
+            <a:r>
+              <a:rPr lang="ko-KR" altLang="en-US" sz="4000" dirty="0" err="1" smtClean="0"/>
+              <a:t>착륙씬</a:t>
+            </a:r>
+            <a:r>
+              <a:rPr lang="ko-KR" altLang="en-US" sz="4000" dirty="0" smtClean="0"/>
+              <a:t> </a:t>
+            </a:r>
+            <a:r>
+              <a:rPr lang="en-US" altLang="ko-KR" sz="4000" dirty="0" smtClean="0"/>
+              <a:t>(</a:t>
+            </a:r>
+            <a:r>
+              <a:rPr lang="ko-KR" altLang="en-US" sz="4000" dirty="0" smtClean="0"/>
+              <a:t>식민지 옆 개활지에 착륙한다</a:t>
+            </a:r>
+            <a:r>
+              <a:rPr lang="en-US" altLang="ko-KR" sz="4000" dirty="0" smtClean="0"/>
+              <a:t>. </a:t>
+            </a:r>
+            <a:r>
+              <a:rPr lang="ko-KR" altLang="en-US" sz="4000" dirty="0" smtClean="0"/>
+              <a:t>이유</a:t>
+            </a:r>
+            <a:r>
+              <a:rPr lang="en-US" altLang="ko-KR" sz="4000" dirty="0" smtClean="0"/>
+              <a:t>: </a:t>
+            </a:r>
+            <a:r>
+              <a:rPr lang="ko-KR" altLang="en-US" sz="4000" dirty="0" smtClean="0"/>
+              <a:t>식민지와 연락이 안되어 식민지 입구를 열지 못함</a:t>
+            </a:r>
+            <a:r>
+              <a:rPr lang="en-US" altLang="ko-KR" sz="4000" dirty="0" smtClean="0"/>
+              <a:t>) </a:t>
+            </a:r>
+            <a:r>
+              <a:rPr lang="ko-KR" altLang="en-US" sz="4000" dirty="0" err="1" smtClean="0"/>
+              <a:t>드랍십</a:t>
+            </a:r>
+            <a:r>
+              <a:rPr lang="ko-KR" altLang="en-US" sz="4000" dirty="0" smtClean="0"/>
+              <a:t> 착륙 후 </a:t>
+            </a:r>
+            <a:r>
+              <a:rPr lang="ko-KR" altLang="en-US" sz="4000" dirty="0" err="1" smtClean="0"/>
+              <a:t>좀비들</a:t>
+            </a:r>
+            <a:r>
+              <a:rPr lang="ko-KR" altLang="en-US" sz="4000" dirty="0" smtClean="0"/>
+              <a:t> 달려와서 주인공 동료들을 다 물어뜯어 죽임</a:t>
+            </a:r>
+            <a:r>
+              <a:rPr lang="en-US" altLang="ko-KR" sz="4000" dirty="0" smtClean="0"/>
+              <a:t>(</a:t>
+            </a:r>
+            <a:r>
+              <a:rPr lang="ko-KR" altLang="en-US" sz="4000" dirty="0" smtClean="0"/>
+              <a:t>여기서 </a:t>
+            </a:r>
+            <a:r>
+              <a:rPr lang="ko-KR" altLang="en-US" sz="4000" dirty="0" err="1" smtClean="0"/>
+              <a:t>부터</a:t>
+            </a:r>
+            <a:r>
+              <a:rPr lang="ko-KR" altLang="en-US" sz="4000" dirty="0" smtClean="0"/>
+              <a:t> </a:t>
+            </a:r>
+            <a:r>
+              <a:rPr lang="en-US" altLang="ko-KR" sz="4000" dirty="0" smtClean="0"/>
+              <a:t>play </a:t>
+            </a:r>
+            <a:r>
+              <a:rPr lang="ko-KR" altLang="en-US" sz="4000" dirty="0" smtClean="0"/>
+              <a:t>가능</a:t>
+            </a:r>
+            <a:r>
+              <a:rPr lang="en-US" altLang="ko-KR" sz="4000" dirty="0" smtClean="0"/>
+              <a:t>~~)</a:t>
+            </a:r>
+          </a:p>
+          <a:p>
+            <a:pPr>
               <a:lnSpc>
                 <a:spcPct val="170000"/>
               </a:lnSpc>
-              <a:buFont typeface="+mj-lt"/>
-              <a:buAutoNum type="arabicPeriod"/>
+              <a:buNone/>
             </a:pPr>
             <a:r>
-              <a:rPr lang="ko-KR" altLang="en-US" dirty="0" smtClean="0"/>
-              <a:t>여자주인공 또는 남자 주인공은 쓰러진 남자주인공</a:t>
-            </a:r>
-            <a:r>
-              <a:rPr lang="en-US" altLang="ko-KR" dirty="0" smtClean="0"/>
+              <a:rPr lang="en-US" altLang="ko-KR" sz="4000" dirty="0" smtClean="0"/>
+              <a:t>6. 5-&gt;6 </a:t>
+            </a:r>
+            <a:r>
+              <a:rPr lang="ko-KR" altLang="en-US" sz="4000" dirty="0" smtClean="0"/>
+              <a:t>지하 연구소로 이동 </a:t>
+            </a:r>
+            <a:r>
+              <a:rPr lang="en-US" altLang="ko-KR" sz="4000" dirty="0" smtClean="0"/>
               <a:t>(</a:t>
             </a:r>
             <a:r>
-              <a:rPr lang="ko-KR" altLang="en-US" dirty="0" smtClean="0"/>
-              <a:t>또는 여자주인공</a:t>
-            </a:r>
-            <a:r>
-              <a:rPr lang="en-US" altLang="ko-KR" dirty="0" smtClean="0"/>
-              <a:t>)</a:t>
-            </a:r>
-            <a:r>
-              <a:rPr lang="ko-KR" altLang="en-US" dirty="0" smtClean="0"/>
-              <a:t>을 일으켜서 세울 수 있다</a:t>
-            </a:r>
-            <a:r>
-              <a:rPr lang="en-US" altLang="ko-KR" dirty="0" smtClean="0"/>
-              <a:t>. </a:t>
-            </a:r>
-            <a:r>
-              <a:rPr lang="ko-KR" altLang="en-US" dirty="0" smtClean="0"/>
-              <a:t>동료 캐릭터가 쓰러지면 일정 시간 동안 버티다가 바로 사망한다</a:t>
-            </a:r>
-            <a:r>
-              <a:rPr lang="en-US" altLang="ko-KR" dirty="0" smtClean="0"/>
-              <a:t>(</a:t>
-            </a:r>
-            <a:r>
-              <a:rPr lang="ko-KR" altLang="en-US" dirty="0" smtClean="0"/>
-              <a:t>게임 오버</a:t>
-            </a:r>
-            <a:r>
-              <a:rPr lang="en-US" altLang="ko-KR" dirty="0" smtClean="0"/>
-              <a:t>) </a:t>
-            </a:r>
-            <a:r>
-              <a:rPr lang="ko-KR" altLang="en-US" dirty="0" smtClean="0"/>
-              <a:t>일정 시간 안에 빨리 다가가서 일으켜 세워야 한다 </a:t>
-            </a:r>
-            <a:r>
-              <a:rPr lang="en-US" altLang="ko-KR" dirty="0" smtClean="0"/>
-              <a:t>(Q </a:t>
-            </a:r>
-            <a:r>
-              <a:rPr lang="ko-KR" altLang="en-US" dirty="0" smtClean="0"/>
-              <a:t>키</a:t>
-            </a:r>
-            <a:r>
-              <a:rPr lang="en-US" altLang="ko-KR" dirty="0" smtClean="0"/>
-              <a:t>)</a:t>
-            </a:r>
-          </a:p>
-          <a:p>
-            <a:pPr marL="514350" indent="-514350">
+              <a:rPr lang="ko-KR" altLang="en-US" sz="4000" dirty="0" smtClean="0"/>
+              <a:t>연구소는 지상에 입구만 보인다</a:t>
+            </a:r>
+            <a:r>
+              <a:rPr lang="en-US" altLang="ko-KR" sz="4000" dirty="0" smtClean="0"/>
+              <a:t>. H-Bio Tech </a:t>
+            </a:r>
+            <a:r>
+              <a:rPr lang="ko-KR" altLang="en-US" sz="4000" dirty="0" smtClean="0"/>
+              <a:t>이름이 입구에 보임</a:t>
+            </a:r>
+            <a:r>
+              <a:rPr lang="en-US" altLang="ko-KR" sz="4000" dirty="0" smtClean="0"/>
+              <a:t>.)</a:t>
+            </a:r>
+          </a:p>
+          <a:p>
+            <a:pPr>
               <a:lnSpc>
                 <a:spcPct val="170000"/>
               </a:lnSpc>
-              <a:buFont typeface="+mj-lt"/>
-              <a:buAutoNum type="arabicPeriod"/>
+              <a:buNone/>
             </a:pPr>
             <a:r>
-              <a:rPr lang="ko-KR" altLang="en-US" dirty="0" smtClean="0"/>
-              <a:t>조작</a:t>
-            </a:r>
-            <a:r>
-              <a:rPr lang="en-US" altLang="ko-KR" dirty="0" smtClean="0"/>
-              <a:t>: W,A,S,D(</a:t>
-            </a:r>
-            <a:r>
-              <a:rPr lang="ko-KR" altLang="en-US" dirty="0" smtClean="0"/>
-              <a:t>앞뒤 좌우 이동</a:t>
-            </a:r>
-            <a:r>
-              <a:rPr lang="en-US" altLang="ko-KR" dirty="0" smtClean="0"/>
-              <a:t>) + </a:t>
-            </a:r>
-            <a:r>
-              <a:rPr lang="ko-KR" altLang="en-US" dirty="0" smtClean="0"/>
-              <a:t>마우스 시야 변경</a:t>
-            </a:r>
-            <a:r>
-              <a:rPr lang="en-US" altLang="ko-KR" dirty="0" smtClean="0"/>
-              <a:t>,   E</a:t>
-            </a:r>
-            <a:r>
-              <a:rPr lang="ko-KR" altLang="en-US" dirty="0" smtClean="0"/>
-              <a:t>키</a:t>
-            </a:r>
-            <a:r>
-              <a:rPr lang="en-US" altLang="ko-KR" dirty="0" smtClean="0"/>
-              <a:t>: </a:t>
-            </a:r>
-            <a:r>
-              <a:rPr lang="ko-KR" altLang="en-US" dirty="0" err="1" smtClean="0"/>
-              <a:t>문열기</a:t>
-            </a:r>
-            <a:r>
-              <a:rPr lang="en-US" altLang="ko-KR" dirty="0" smtClean="0"/>
-              <a:t>, </a:t>
-            </a:r>
-            <a:r>
-              <a:rPr lang="ko-KR" altLang="en-US" dirty="0" smtClean="0"/>
-              <a:t>오브젝트와 상호작용</a:t>
-            </a:r>
-            <a:r>
-              <a:rPr lang="en-US" altLang="ko-KR" dirty="0" smtClean="0"/>
-              <a:t>,		R</a:t>
-            </a:r>
-            <a:r>
-              <a:rPr lang="ko-KR" altLang="en-US" dirty="0" smtClean="0"/>
-              <a:t>키</a:t>
-            </a:r>
-            <a:r>
-              <a:rPr lang="en-US" altLang="ko-KR" dirty="0" smtClean="0"/>
-              <a:t>:</a:t>
-            </a:r>
-            <a:r>
-              <a:rPr lang="ko-KR" altLang="en-US" dirty="0" smtClean="0"/>
-              <a:t>총알 </a:t>
-            </a:r>
-            <a:r>
-              <a:rPr lang="en-US" altLang="ko-KR" dirty="0" smtClean="0"/>
-              <a:t>Reload, </a:t>
-            </a:r>
-            <a:r>
-              <a:rPr lang="ko-KR" altLang="en-US" dirty="0" smtClean="0"/>
-              <a:t>스페이스</a:t>
-            </a:r>
-            <a:r>
-              <a:rPr lang="en-US" altLang="ko-KR" dirty="0" smtClean="0"/>
-              <a:t>: </a:t>
-            </a:r>
-            <a:r>
-              <a:rPr lang="ko-KR" altLang="en-US" dirty="0" smtClean="0"/>
-              <a:t>점프</a:t>
-            </a:r>
-            <a:endParaRPr lang="en-US" altLang="ko-KR" dirty="0" smtClean="0"/>
+              <a:rPr lang="en-US" altLang="ko-KR" sz="4000" dirty="0" smtClean="0"/>
+              <a:t>7.</a:t>
+            </a:r>
+            <a:r>
+              <a:rPr lang="ko-KR" altLang="en-US" sz="4000" dirty="0" smtClean="0"/>
+              <a:t>지하 연구소 </a:t>
+            </a:r>
+            <a:r>
+              <a:rPr lang="en-US" altLang="ko-KR" sz="4000" dirty="0" smtClean="0"/>
+              <a:t>2</a:t>
+            </a:r>
+            <a:r>
+              <a:rPr lang="ko-KR" altLang="en-US" sz="4000" dirty="0" smtClean="0"/>
+              <a:t>층에 여자친구 만남</a:t>
+            </a:r>
+            <a:r>
+              <a:rPr lang="en-US" altLang="ko-KR" sz="4000" dirty="0" smtClean="0"/>
+              <a:t>. </a:t>
+            </a:r>
+            <a:r>
+              <a:rPr lang="ko-KR" altLang="en-US" sz="4000" dirty="0" smtClean="0"/>
+              <a:t>여자친구는 </a:t>
+            </a:r>
+            <a:r>
+              <a:rPr lang="en-US" altLang="ko-KR" sz="4000" dirty="0" smtClean="0"/>
+              <a:t>panic room</a:t>
+            </a:r>
+            <a:r>
+              <a:rPr lang="ko-KR" altLang="en-US" sz="4000" dirty="0" smtClean="0"/>
+              <a:t>에 숨어있었음</a:t>
+            </a:r>
+            <a:r>
+              <a:rPr lang="en-US" altLang="ko-KR" sz="4000" dirty="0" smtClean="0"/>
+              <a:t>. </a:t>
+            </a:r>
+            <a:r>
+              <a:rPr lang="ko-KR" altLang="en-US" sz="4000" dirty="0" smtClean="0"/>
+              <a:t>여자친구가 바이러스와 감염자에 대한 설명을 해준다</a:t>
+            </a:r>
+            <a:r>
+              <a:rPr lang="en-US" altLang="ko-KR" sz="4000" dirty="0" smtClean="0"/>
+              <a:t>. </a:t>
+            </a:r>
+            <a:r>
+              <a:rPr lang="ko-KR" altLang="en-US" sz="4000" dirty="0" smtClean="0"/>
+              <a:t>마지막 </a:t>
+            </a:r>
+            <a:r>
+              <a:rPr lang="ko-KR" altLang="en-US" sz="4000" dirty="0" err="1" smtClean="0"/>
+              <a:t>끝층</a:t>
+            </a:r>
+            <a:r>
+              <a:rPr lang="ko-KR" altLang="en-US" sz="4000" dirty="0" smtClean="0"/>
+              <a:t> 지하 </a:t>
+            </a:r>
+            <a:r>
+              <a:rPr lang="en-US" altLang="ko-KR" sz="4000" dirty="0" smtClean="0"/>
+              <a:t>3</a:t>
+            </a:r>
+            <a:r>
+              <a:rPr lang="ko-KR" altLang="en-US" sz="4000" dirty="0" smtClean="0"/>
+              <a:t>층에 백신이 있다고 하여 여자친구와 </a:t>
+            </a:r>
+            <a:r>
+              <a:rPr lang="en-US" altLang="ko-KR" sz="4000" dirty="0" smtClean="0"/>
+              <a:t>3</a:t>
+            </a:r>
+            <a:r>
+              <a:rPr lang="ko-KR" altLang="en-US" sz="4000" dirty="0" smtClean="0"/>
+              <a:t>층으로 이동하려고 하는데</a:t>
+            </a:r>
+          </a:p>
+          <a:p>
+            <a:pPr>
+              <a:lnSpc>
+                <a:spcPct val="170000"/>
+              </a:lnSpc>
+              <a:buNone/>
+            </a:pPr>
+            <a:r>
+              <a:rPr lang="ko-KR" altLang="en-US" sz="4000" dirty="0" smtClean="0"/>
+              <a:t> </a:t>
+            </a:r>
+            <a:r>
+              <a:rPr lang="en-US" altLang="ko-KR" sz="4000" dirty="0" smtClean="0"/>
+              <a:t>3</a:t>
+            </a:r>
+            <a:r>
+              <a:rPr lang="ko-KR" altLang="en-US" sz="4000" dirty="0" smtClean="0"/>
+              <a:t>층 문이 잠겨 </a:t>
+            </a:r>
+            <a:r>
+              <a:rPr lang="en-US" altLang="ko-KR" sz="4000" dirty="0" smtClean="0"/>
+              <a:t>3</a:t>
+            </a:r>
+            <a:r>
+              <a:rPr lang="ko-KR" altLang="en-US" sz="4000" dirty="0" smtClean="0"/>
+              <a:t>층 열쇠를 </a:t>
+            </a:r>
+            <a:r>
+              <a:rPr lang="ko-KR" altLang="en-US" sz="4000" dirty="0" err="1" smtClean="0"/>
+              <a:t>얻기위해</a:t>
+            </a:r>
+            <a:r>
+              <a:rPr lang="ko-KR" altLang="en-US" sz="4000" dirty="0" smtClean="0"/>
+              <a:t> 연구소 내부를 수색한다</a:t>
+            </a:r>
+            <a:r>
+              <a:rPr lang="en-US" altLang="ko-KR" sz="4000" dirty="0" smtClean="0"/>
+              <a:t>. </a:t>
+            </a:r>
+            <a:r>
+              <a:rPr lang="ko-KR" altLang="en-US" sz="4000" dirty="0" smtClean="0"/>
+              <a:t>수색하며 마주친 </a:t>
+            </a:r>
+            <a:r>
+              <a:rPr lang="ko-KR" altLang="en-US" sz="4000" dirty="0" err="1" smtClean="0"/>
+              <a:t>좀비들은</a:t>
+            </a:r>
+            <a:r>
+              <a:rPr lang="ko-KR" altLang="en-US" sz="4000" dirty="0" smtClean="0"/>
+              <a:t> 모두 없앤다</a:t>
+            </a:r>
+            <a:r>
+              <a:rPr lang="en-US" altLang="ko-KR" sz="4000" dirty="0" smtClean="0"/>
+              <a:t>. </a:t>
+            </a:r>
+            <a:r>
+              <a:rPr lang="ko-KR" altLang="en-US" sz="4000" dirty="0" smtClean="0"/>
+              <a:t>연구소 내부에서 연구소 경비가 쓰던 </a:t>
+            </a:r>
+            <a:r>
+              <a:rPr lang="ko-KR" altLang="en-US" sz="4000" dirty="0" err="1" smtClean="0"/>
+              <a:t>샷건을</a:t>
+            </a:r>
+            <a:r>
+              <a:rPr lang="ko-KR" altLang="en-US" sz="4000" dirty="0" smtClean="0"/>
+              <a:t> 발견하여 쓰게 된다</a:t>
+            </a:r>
+            <a:r>
+              <a:rPr lang="en-US" altLang="ko-KR" sz="4000" dirty="0" smtClean="0"/>
+              <a:t>.</a:t>
+            </a:r>
+          </a:p>
+          <a:p>
+            <a:pPr>
+              <a:lnSpc>
+                <a:spcPct val="170000"/>
+              </a:lnSpc>
+              <a:buNone/>
+            </a:pPr>
+            <a:r>
+              <a:rPr lang="en-US" altLang="ko-KR" sz="4000" dirty="0" smtClean="0"/>
+              <a:t>8.</a:t>
+            </a:r>
+            <a:r>
+              <a:rPr lang="ko-KR" altLang="en-US" sz="4000" dirty="0" smtClean="0"/>
+              <a:t>백신을 구하고 나서</a:t>
+            </a:r>
+            <a:r>
+              <a:rPr lang="en-US" altLang="ko-KR" sz="4000" dirty="0" smtClean="0"/>
+              <a:t>. </a:t>
+            </a:r>
+            <a:r>
+              <a:rPr lang="ko-KR" altLang="en-US" sz="4000" dirty="0" smtClean="0"/>
+              <a:t>연구소 건물에서 컨트롤 룸으로 이동하여 식민지 외부에 있는 </a:t>
+            </a:r>
+            <a:r>
+              <a:rPr lang="ko-KR" altLang="en-US" sz="4000" dirty="0" err="1" smtClean="0"/>
+              <a:t>드랍십을</a:t>
+            </a:r>
+            <a:r>
+              <a:rPr lang="ko-KR" altLang="en-US" sz="4000" dirty="0" smtClean="0"/>
+              <a:t> 원격 조종으로 연구소 옆으로 불러온다</a:t>
+            </a:r>
+            <a:r>
+              <a:rPr lang="en-US" altLang="ko-KR" sz="4000" dirty="0" smtClean="0"/>
+              <a:t>.</a:t>
+            </a:r>
+          </a:p>
+          <a:p>
+            <a:pPr>
+              <a:lnSpc>
+                <a:spcPct val="170000"/>
+              </a:lnSpc>
+              <a:buNone/>
+            </a:pPr>
+            <a:r>
+              <a:rPr lang="en-US" altLang="ko-KR" sz="4000" dirty="0" smtClean="0"/>
+              <a:t>9.</a:t>
+            </a:r>
+            <a:r>
+              <a:rPr lang="ko-KR" altLang="en-US" sz="4000" dirty="0" smtClean="0"/>
+              <a:t>여자 주인공이 남자 주인공에게 어서 가서 </a:t>
+            </a:r>
+            <a:r>
+              <a:rPr lang="ko-KR" altLang="en-US" sz="4000" dirty="0" err="1" smtClean="0"/>
+              <a:t>드랍십</a:t>
+            </a:r>
+            <a:r>
+              <a:rPr lang="ko-KR" altLang="en-US" sz="4000" dirty="0" smtClean="0"/>
+              <a:t> 출발 준비를 하라고 한다</a:t>
+            </a:r>
+            <a:r>
+              <a:rPr lang="en-US" altLang="ko-KR" sz="4000" dirty="0" smtClean="0"/>
+              <a:t>. </a:t>
+            </a:r>
+            <a:r>
+              <a:rPr lang="ko-KR" altLang="en-US" sz="4000" dirty="0" smtClean="0"/>
+              <a:t>자신은 식민지 폭파 카운트 다운을 하겠다고 한다</a:t>
+            </a:r>
+            <a:r>
+              <a:rPr lang="en-US" altLang="ko-KR" sz="4000" dirty="0" smtClean="0"/>
+              <a:t>.</a:t>
+            </a:r>
+          </a:p>
+          <a:p>
+            <a:pPr>
+              <a:lnSpc>
+                <a:spcPct val="170000"/>
+              </a:lnSpc>
+              <a:buNone/>
+            </a:pPr>
+            <a:r>
+              <a:rPr lang="en-US" altLang="ko-KR" sz="4000" dirty="0" smtClean="0"/>
+              <a:t>10.</a:t>
+            </a:r>
+            <a:r>
+              <a:rPr lang="ko-KR" altLang="en-US" sz="4000" dirty="0" smtClean="0"/>
+              <a:t>남자 주인공이 </a:t>
+            </a:r>
+            <a:r>
+              <a:rPr lang="ko-KR" altLang="en-US" sz="4000" dirty="0" err="1" smtClean="0"/>
+              <a:t>드랍십으로</a:t>
+            </a:r>
+            <a:r>
+              <a:rPr lang="ko-KR" altLang="en-US" sz="4000" dirty="0" smtClean="0"/>
+              <a:t> 가고</a:t>
+            </a:r>
+            <a:r>
+              <a:rPr lang="en-US" altLang="ko-KR" sz="4000" dirty="0" smtClean="0"/>
+              <a:t>.. </a:t>
+            </a:r>
+            <a:r>
+              <a:rPr lang="ko-KR" altLang="en-US" sz="4000" dirty="0" smtClean="0"/>
+              <a:t>여자주인공 시점에서 컨트롤 룸의 컴퓨터로 식민지 폭파 조작을 한다</a:t>
+            </a:r>
+            <a:r>
+              <a:rPr lang="en-US" altLang="ko-KR" sz="4000" dirty="0" smtClean="0"/>
+              <a:t>. </a:t>
+            </a:r>
+            <a:r>
+              <a:rPr lang="ko-KR" altLang="en-US" sz="4000" dirty="0" smtClean="0"/>
+              <a:t>이때 </a:t>
+            </a:r>
+            <a:r>
+              <a:rPr lang="ko-KR" altLang="en-US" sz="4000" dirty="0" err="1" smtClean="0"/>
+              <a:t>좀비떼들이</a:t>
+            </a:r>
+            <a:r>
+              <a:rPr lang="ko-KR" altLang="en-US" sz="4000" dirty="0" smtClean="0"/>
+              <a:t> 컨트롤 룸으로 모여 들게 된다</a:t>
+            </a:r>
+            <a:r>
+              <a:rPr lang="en-US" altLang="ko-KR" sz="4000" dirty="0" smtClean="0"/>
+              <a:t>.</a:t>
+            </a:r>
+          </a:p>
+          <a:p>
+            <a:pPr>
+              <a:lnSpc>
+                <a:spcPct val="170000"/>
+              </a:lnSpc>
+              <a:buNone/>
+            </a:pPr>
+            <a:r>
+              <a:rPr lang="en-US" altLang="ko-KR" sz="4000" dirty="0" smtClean="0"/>
+              <a:t>11. </a:t>
+            </a:r>
+            <a:r>
+              <a:rPr lang="ko-KR" altLang="en-US" sz="4000" dirty="0" smtClean="0"/>
+              <a:t>주인공 시점으로 변경이 되고 </a:t>
+            </a:r>
+            <a:r>
+              <a:rPr lang="ko-KR" altLang="en-US" sz="4000" dirty="0" err="1" smtClean="0"/>
+              <a:t>드랍십</a:t>
+            </a:r>
+            <a:r>
+              <a:rPr lang="ko-KR" altLang="en-US" sz="4000" dirty="0" smtClean="0"/>
+              <a:t> 조종석에서 여자친구의 무전을 듣게 된다</a:t>
+            </a:r>
+            <a:r>
+              <a:rPr lang="en-US" altLang="ko-KR" sz="4000" dirty="0" smtClean="0"/>
+              <a:t>. "</a:t>
+            </a:r>
+            <a:r>
+              <a:rPr lang="ko-KR" altLang="en-US" sz="4000" dirty="0" smtClean="0"/>
+              <a:t>나는 </a:t>
+            </a:r>
+            <a:r>
+              <a:rPr lang="ko-KR" altLang="en-US" sz="4000" dirty="0" err="1" smtClean="0"/>
+              <a:t>여기까지인가봐</a:t>
+            </a:r>
+            <a:r>
+              <a:rPr lang="ko-KR" altLang="en-US" sz="4000" dirty="0" smtClean="0"/>
+              <a:t> 탐 나를 기억해줘</a:t>
+            </a:r>
+            <a:r>
+              <a:rPr lang="en-US" altLang="ko-KR" sz="4000" dirty="0" smtClean="0"/>
+              <a:t>.. </a:t>
+            </a:r>
+            <a:r>
+              <a:rPr lang="ko-KR" altLang="en-US" sz="4000" dirty="0" smtClean="0"/>
+              <a:t>탕</a:t>
+            </a:r>
+            <a:r>
+              <a:rPr lang="en-US" altLang="ko-KR" sz="4000" dirty="0" smtClean="0"/>
+              <a:t>" &lt;</a:t>
+            </a:r>
+            <a:r>
+              <a:rPr lang="ko-KR" altLang="en-US" sz="4000" dirty="0" smtClean="0"/>
+              <a:t> 연출</a:t>
+            </a:r>
+            <a:r>
+              <a:rPr lang="en-US" altLang="ko-KR" sz="4000" dirty="0" smtClean="0"/>
+              <a:t>, play </a:t>
+            </a:r>
+            <a:r>
+              <a:rPr lang="ko-KR" altLang="en-US" sz="4000" dirty="0" smtClean="0"/>
+              <a:t>불가</a:t>
+            </a:r>
+            <a:r>
+              <a:rPr lang="en-US" altLang="ko-KR" sz="4000" dirty="0" smtClean="0"/>
+              <a:t>&gt;</a:t>
+            </a:r>
+          </a:p>
+          <a:p>
+            <a:pPr>
+              <a:lnSpc>
+                <a:spcPct val="170000"/>
+              </a:lnSpc>
+              <a:buNone/>
+            </a:pPr>
+            <a:r>
+              <a:rPr lang="en-US" altLang="ko-KR" sz="4000" dirty="0" smtClean="0"/>
+              <a:t>12.</a:t>
+            </a:r>
+            <a:r>
+              <a:rPr lang="ko-KR" altLang="en-US" sz="4000" dirty="0" smtClean="0"/>
+              <a:t>주인공은 눈물을 흘리며 </a:t>
+            </a:r>
+            <a:r>
+              <a:rPr lang="ko-KR" altLang="en-US" sz="4000" dirty="0" err="1" smtClean="0"/>
+              <a:t>드랍십이</a:t>
+            </a:r>
+            <a:r>
+              <a:rPr lang="ko-KR" altLang="en-US" sz="4000" dirty="0" smtClean="0"/>
+              <a:t> 공중으로 뜨고</a:t>
+            </a:r>
+            <a:r>
+              <a:rPr lang="en-US" altLang="ko-KR" sz="4000" dirty="0" smtClean="0"/>
+              <a:t>.. </a:t>
+            </a:r>
+            <a:r>
+              <a:rPr lang="ko-KR" altLang="en-US" sz="4000" dirty="0" smtClean="0"/>
+              <a:t>비행을 하며 하늘로 올라가려던 와중 </a:t>
+            </a:r>
+            <a:r>
+              <a:rPr lang="ko-KR" altLang="en-US" sz="4000" dirty="0" err="1" smtClean="0"/>
+              <a:t>좀비들이</a:t>
+            </a:r>
+            <a:r>
+              <a:rPr lang="ko-KR" altLang="en-US" sz="4000" dirty="0" smtClean="0"/>
+              <a:t> 달려들어 </a:t>
+            </a:r>
+            <a:r>
+              <a:rPr lang="ko-KR" altLang="en-US" sz="4000" dirty="0" err="1" smtClean="0"/>
+              <a:t>드랍십의</a:t>
+            </a:r>
+            <a:r>
+              <a:rPr lang="ko-KR" altLang="en-US" sz="4000" dirty="0" smtClean="0"/>
+              <a:t> 엔진에 불이 붙으며</a:t>
+            </a:r>
+            <a:r>
+              <a:rPr lang="en-US" altLang="ko-KR" sz="4000" dirty="0" smtClean="0"/>
+              <a:t>.. </a:t>
+            </a:r>
+            <a:r>
+              <a:rPr lang="ko-KR" altLang="en-US" sz="4000" dirty="0" smtClean="0"/>
+              <a:t>화면이 멈추고 </a:t>
+            </a:r>
+            <a:r>
+              <a:rPr lang="en-US" altLang="ko-KR" sz="4000" dirty="0" smtClean="0"/>
+              <a:t>(To Be Continued)</a:t>
+            </a:r>
+          </a:p>
+          <a:p>
+            <a:pPr>
+              <a:lnSpc>
+                <a:spcPct val="170000"/>
+              </a:lnSpc>
+              <a:buNone/>
+            </a:pPr>
+            <a:r>
+              <a:rPr lang="en-US" altLang="ko-KR" sz="4000" dirty="0" smtClean="0"/>
+              <a:t>&lt;</a:t>
+            </a:r>
+            <a:r>
+              <a:rPr lang="ko-KR" altLang="en-US" sz="4000" dirty="0" smtClean="0"/>
+              <a:t> 연출</a:t>
+            </a:r>
+            <a:r>
+              <a:rPr lang="en-US" altLang="ko-KR" sz="4000" dirty="0" smtClean="0"/>
+              <a:t>, play </a:t>
+            </a:r>
+            <a:r>
+              <a:rPr lang="ko-KR" altLang="en-US" sz="4000" dirty="0" smtClean="0"/>
+              <a:t>불가</a:t>
+            </a:r>
+            <a:r>
+              <a:rPr lang="en-US" altLang="ko-KR" sz="4000" dirty="0" smtClean="0"/>
+              <a:t>&gt;</a:t>
+            </a:r>
           </a:p>
           <a:p>
             <a:endParaRPr lang="ko-KR" altLang="en-US" dirty="0"/>
@@ -8365,6 +8143,374 @@
 </file>
 
 <file path=ppt/slides/slide8.xml><?xml version="1.0" encoding="utf-8"?>
+<p:sld xmlns:a="http://schemas.openxmlformats.org/drawingml/2006/main" xmlns:r="http://schemas.openxmlformats.org/officeDocument/2006/relationships" xmlns:p="http://schemas.openxmlformats.org/presentationml/2006/main">
+  <p:cSld>
+    <p:spTree>
+      <p:nvGrpSpPr>
+        <p:cNvPr id="1" name=""/>
+        <p:cNvGrpSpPr/>
+        <p:nvPr/>
+      </p:nvGrpSpPr>
+      <p:grpSpPr>
+        <a:xfrm>
+          <a:off x="0" y="0"/>
+          <a:ext cx="0" cy="0"/>
+          <a:chOff x="0" y="0"/>
+          <a:chExt cx="0" cy="0"/>
+        </a:xfrm>
+      </p:grpSpPr>
+      <p:sp>
+        <p:nvSpPr>
+          <p:cNvPr id="2" name="제목 1"/>
+          <p:cNvSpPr>
+            <a:spLocks noGrp="1"/>
+          </p:cNvSpPr>
+          <p:nvPr>
+            <p:ph type="title"/>
+          </p:nvPr>
+        </p:nvSpPr>
+        <p:spPr/>
+        <p:txBody>
+          <a:bodyPr/>
+          <a:lstStyle/>
+          <a:p>
+            <a:r>
+              <a:rPr lang="en-US" altLang="ko-KR" dirty="0" smtClean="0"/>
+              <a:t>2. </a:t>
+            </a:r>
+            <a:r>
+              <a:rPr lang="ko-KR" altLang="en-US" dirty="0" smtClean="0"/>
+              <a:t>기획 내용</a:t>
+            </a:r>
+            <a:r>
+              <a:rPr lang="en-US" altLang="ko-KR" dirty="0" smtClean="0"/>
+              <a:t> (Cont.)</a:t>
+            </a:r>
+            <a:endParaRPr lang="ko-KR" altLang="en-US" dirty="0"/>
+          </a:p>
+        </p:txBody>
+      </p:sp>
+      <p:sp>
+        <p:nvSpPr>
+          <p:cNvPr id="3" name="내용 개체 틀 2"/>
+          <p:cNvSpPr>
+            <a:spLocks noGrp="1"/>
+          </p:cNvSpPr>
+          <p:nvPr>
+            <p:ph idx="1"/>
+          </p:nvPr>
+        </p:nvSpPr>
+        <p:spPr/>
+        <p:txBody>
+          <a:bodyPr>
+            <a:normAutofit fontScale="47500" lnSpcReduction="20000"/>
+          </a:bodyPr>
+          <a:lstStyle/>
+          <a:p>
+            <a:pPr>
+              <a:lnSpc>
+                <a:spcPct val="170000"/>
+              </a:lnSpc>
+              <a:buNone/>
+            </a:pPr>
+            <a:r>
+              <a:rPr lang="ko-KR" altLang="en-US" dirty="0" smtClean="0"/>
+              <a:t>기획상 특이점</a:t>
+            </a:r>
+            <a:endParaRPr lang="en-US" altLang="ko-KR" dirty="0" smtClean="0"/>
+          </a:p>
+          <a:p>
+            <a:pPr>
+              <a:lnSpc>
+                <a:spcPct val="170000"/>
+              </a:lnSpc>
+              <a:buNone/>
+            </a:pPr>
+            <a:endParaRPr lang="en-US" altLang="ko-KR" dirty="0" smtClean="0"/>
+          </a:p>
+          <a:p>
+            <a:pPr marL="514350" indent="-514350">
+              <a:lnSpc>
+                <a:spcPct val="170000"/>
+              </a:lnSpc>
+              <a:buFont typeface="+mj-lt"/>
+              <a:buAutoNum type="arabicPeriod"/>
+            </a:pPr>
+            <a:r>
+              <a:rPr lang="en-US" altLang="ko-KR" dirty="0" smtClean="0"/>
+              <a:t>F2</a:t>
+            </a:r>
+            <a:r>
+              <a:rPr lang="ko-KR" altLang="en-US" dirty="0" smtClean="0"/>
+              <a:t>키를 누르면 주인공 변경</a:t>
+            </a:r>
+            <a:r>
+              <a:rPr lang="en-US" altLang="ko-KR" dirty="0" smtClean="0"/>
+              <a:t>(</a:t>
+            </a:r>
+            <a:r>
+              <a:rPr lang="ko-KR" altLang="en-US" dirty="0" smtClean="0"/>
+              <a:t>여자 </a:t>
+            </a:r>
+            <a:r>
+              <a:rPr lang="en-US" altLang="ko-KR" dirty="0" smtClean="0"/>
+              <a:t>&lt;-&gt; </a:t>
+            </a:r>
+            <a:r>
+              <a:rPr lang="ko-KR" altLang="en-US" dirty="0" smtClean="0"/>
+              <a:t>남자</a:t>
+            </a:r>
+            <a:r>
+              <a:rPr lang="en-US" altLang="ko-KR" dirty="0" smtClean="0"/>
+              <a:t>) </a:t>
+            </a:r>
+            <a:r>
+              <a:rPr lang="ko-KR" altLang="en-US" dirty="0" smtClean="0"/>
+              <a:t>을 할 수 있다</a:t>
+            </a:r>
+            <a:r>
+              <a:rPr lang="en-US" altLang="ko-KR" dirty="0" smtClean="0"/>
+              <a:t>. </a:t>
+            </a:r>
+          </a:p>
+          <a:p>
+            <a:pPr marL="514350" indent="-514350">
+              <a:lnSpc>
+                <a:spcPct val="170000"/>
+              </a:lnSpc>
+              <a:buFont typeface="+mj-lt"/>
+              <a:buAutoNum type="arabicPeriod"/>
+            </a:pPr>
+            <a:r>
+              <a:rPr lang="ko-KR" altLang="en-US" dirty="0" smtClean="0"/>
+              <a:t>여자 주인공은 문을 열 수 있음</a:t>
+            </a:r>
+            <a:r>
+              <a:rPr lang="en-US" altLang="ko-KR" dirty="0" smtClean="0"/>
+              <a:t>(+ </a:t>
+            </a:r>
+            <a:r>
+              <a:rPr lang="ko-KR" altLang="en-US" dirty="0" smtClean="0"/>
+              <a:t>권총사격 가능</a:t>
+            </a:r>
+            <a:r>
+              <a:rPr lang="en-US" altLang="ko-KR" dirty="0" smtClean="0"/>
+              <a:t>) </a:t>
+            </a:r>
+            <a:r>
+              <a:rPr lang="ko-KR" altLang="en-US" dirty="0" smtClean="0"/>
+              <a:t>남자 주인공은 총만 쏠 수 있음</a:t>
+            </a:r>
+            <a:r>
+              <a:rPr lang="en-US" altLang="ko-KR" dirty="0" smtClean="0"/>
+              <a:t>(</a:t>
+            </a:r>
+            <a:r>
+              <a:rPr lang="ko-KR" altLang="en-US" dirty="0" err="1" smtClean="0"/>
+              <a:t>샷건</a:t>
+            </a:r>
+            <a:r>
+              <a:rPr lang="en-US" altLang="ko-KR" dirty="0" smtClean="0"/>
+              <a:t>)</a:t>
+            </a:r>
+          </a:p>
+          <a:p>
+            <a:pPr marL="514350" indent="-514350">
+              <a:lnSpc>
+                <a:spcPct val="170000"/>
+              </a:lnSpc>
+              <a:buFont typeface="+mj-lt"/>
+              <a:buAutoNum type="arabicPeriod"/>
+            </a:pPr>
+            <a:r>
+              <a:rPr lang="ko-KR" altLang="en-US" dirty="0" smtClean="0"/>
+              <a:t>여자 주인공은 연구소의 문을 열 수 있고</a:t>
+            </a:r>
+            <a:r>
+              <a:rPr lang="en-US" altLang="ko-KR" dirty="0" smtClean="0"/>
+              <a:t>. N2 </a:t>
+            </a:r>
+            <a:r>
+              <a:rPr lang="ko-KR" altLang="en-US" dirty="0" smtClean="0"/>
+              <a:t>행성의 식민지에 있는 컴퓨터들을 조작 할 수 있다</a:t>
+            </a:r>
+            <a:r>
+              <a:rPr lang="en-US" altLang="ko-KR" dirty="0" smtClean="0"/>
+              <a:t>.</a:t>
+            </a:r>
+          </a:p>
+          <a:p>
+            <a:pPr marL="514350" indent="-514350">
+              <a:lnSpc>
+                <a:spcPct val="170000"/>
+              </a:lnSpc>
+              <a:buFont typeface="+mj-lt"/>
+              <a:buAutoNum type="arabicPeriod"/>
+            </a:pPr>
+            <a:r>
+              <a:rPr lang="ko-KR" altLang="en-US" dirty="0" smtClean="0"/>
+              <a:t>여자주인공 또는 남자 주인공은 쓰러진 남자주인공</a:t>
+            </a:r>
+            <a:r>
+              <a:rPr lang="en-US" altLang="ko-KR" dirty="0" smtClean="0"/>
+              <a:t>(</a:t>
+            </a:r>
+            <a:r>
+              <a:rPr lang="ko-KR" altLang="en-US" dirty="0" smtClean="0"/>
+              <a:t>또는 여자주인공</a:t>
+            </a:r>
+            <a:r>
+              <a:rPr lang="en-US" altLang="ko-KR" dirty="0" smtClean="0"/>
+              <a:t>)</a:t>
+            </a:r>
+            <a:r>
+              <a:rPr lang="ko-KR" altLang="en-US" dirty="0" smtClean="0"/>
+              <a:t>을 일으켜서 세울 수 있다</a:t>
+            </a:r>
+            <a:r>
+              <a:rPr lang="en-US" altLang="ko-KR" dirty="0" smtClean="0"/>
+              <a:t>. </a:t>
+            </a:r>
+            <a:r>
+              <a:rPr lang="ko-KR" altLang="en-US" dirty="0" smtClean="0"/>
+              <a:t>동료 캐릭터가 쓰러지면 일정 시간 동안 버티다가 바로 사망한다</a:t>
+            </a:r>
+            <a:r>
+              <a:rPr lang="en-US" altLang="ko-KR" dirty="0" smtClean="0"/>
+              <a:t>(</a:t>
+            </a:r>
+            <a:r>
+              <a:rPr lang="ko-KR" altLang="en-US" dirty="0" smtClean="0"/>
+              <a:t>게임 오버</a:t>
+            </a:r>
+            <a:r>
+              <a:rPr lang="en-US" altLang="ko-KR" dirty="0" smtClean="0"/>
+              <a:t>) </a:t>
+            </a:r>
+            <a:r>
+              <a:rPr lang="ko-KR" altLang="en-US" dirty="0" smtClean="0"/>
+              <a:t>일정 시간 안에 빨리 다가가서 일으켜 세워야 한다 </a:t>
+            </a:r>
+            <a:r>
+              <a:rPr lang="en-US" altLang="ko-KR" dirty="0" smtClean="0"/>
+              <a:t>(Q </a:t>
+            </a:r>
+            <a:r>
+              <a:rPr lang="ko-KR" altLang="en-US" dirty="0" smtClean="0"/>
+              <a:t>키</a:t>
+            </a:r>
+            <a:r>
+              <a:rPr lang="en-US" altLang="ko-KR" dirty="0" smtClean="0"/>
+              <a:t>)</a:t>
+            </a:r>
+          </a:p>
+          <a:p>
+            <a:pPr marL="514350" indent="-514350">
+              <a:lnSpc>
+                <a:spcPct val="170000"/>
+              </a:lnSpc>
+              <a:buFont typeface="+mj-lt"/>
+              <a:buAutoNum type="arabicPeriod"/>
+            </a:pPr>
+            <a:r>
+              <a:rPr lang="ko-KR" altLang="en-US" dirty="0" smtClean="0"/>
+              <a:t>조작</a:t>
+            </a:r>
+            <a:r>
+              <a:rPr lang="en-US" altLang="ko-KR" dirty="0" smtClean="0"/>
+              <a:t>: W,A,S,D(</a:t>
+            </a:r>
+            <a:r>
+              <a:rPr lang="ko-KR" altLang="en-US" dirty="0" smtClean="0"/>
+              <a:t>앞뒤 좌우 이동</a:t>
+            </a:r>
+            <a:r>
+              <a:rPr lang="en-US" altLang="ko-KR" dirty="0" smtClean="0"/>
+              <a:t>) + </a:t>
+            </a:r>
+            <a:r>
+              <a:rPr lang="ko-KR" altLang="en-US" dirty="0" smtClean="0"/>
+              <a:t>마우스 시야 변경</a:t>
+            </a:r>
+            <a:r>
+              <a:rPr lang="en-US" altLang="ko-KR" dirty="0" smtClean="0"/>
+              <a:t>,   E</a:t>
+            </a:r>
+            <a:r>
+              <a:rPr lang="ko-KR" altLang="en-US" dirty="0" smtClean="0"/>
+              <a:t>키</a:t>
+            </a:r>
+            <a:r>
+              <a:rPr lang="en-US" altLang="ko-KR" dirty="0" smtClean="0"/>
+              <a:t>: </a:t>
+            </a:r>
+            <a:r>
+              <a:rPr lang="ko-KR" altLang="en-US" dirty="0" err="1" smtClean="0"/>
+              <a:t>문열기</a:t>
+            </a:r>
+            <a:r>
+              <a:rPr lang="en-US" altLang="ko-KR" dirty="0" smtClean="0"/>
+              <a:t>, </a:t>
+            </a:r>
+            <a:r>
+              <a:rPr lang="ko-KR" altLang="en-US" dirty="0" smtClean="0"/>
+              <a:t>오브젝트와 상호작용</a:t>
+            </a:r>
+            <a:r>
+              <a:rPr lang="en-US" altLang="ko-KR" dirty="0" smtClean="0"/>
+              <a:t>,		R</a:t>
+            </a:r>
+            <a:r>
+              <a:rPr lang="ko-KR" altLang="en-US" dirty="0" smtClean="0"/>
+              <a:t>키</a:t>
+            </a:r>
+            <a:r>
+              <a:rPr lang="en-US" altLang="ko-KR" dirty="0" smtClean="0"/>
+              <a:t>:</a:t>
+            </a:r>
+            <a:r>
+              <a:rPr lang="ko-KR" altLang="en-US" dirty="0" smtClean="0"/>
+              <a:t>총알 </a:t>
+            </a:r>
+            <a:r>
+              <a:rPr lang="en-US" altLang="ko-KR" dirty="0" smtClean="0"/>
+              <a:t>Reload, </a:t>
+            </a:r>
+            <a:r>
+              <a:rPr lang="ko-KR" altLang="en-US" dirty="0" smtClean="0"/>
+              <a:t>스페이스</a:t>
+            </a:r>
+            <a:r>
+              <a:rPr lang="en-US" altLang="ko-KR" dirty="0" smtClean="0"/>
+              <a:t>: </a:t>
+            </a:r>
+            <a:r>
+              <a:rPr lang="ko-KR" altLang="en-US" dirty="0" smtClean="0"/>
+              <a:t>점프</a:t>
+            </a:r>
+            <a:endParaRPr lang="en-US" altLang="ko-KR" dirty="0" smtClean="0"/>
+          </a:p>
+          <a:p>
+            <a:endParaRPr lang="ko-KR" altLang="en-US" dirty="0"/>
+          </a:p>
+        </p:txBody>
+      </p:sp>
+    </p:spTree>
+  </p:cSld>
+  <p:clrMapOvr>
+    <a:masterClrMapping/>
+  </p:clrMapOvr>
+  <p:timing>
+    <p:tnLst>
+      <p:par>
+        <p:cTn id="1" dur="indefinite" restart="never" nodeType="tmRoot"/>
+      </p:par>
+    </p:tnLst>
+  </p:timing>
+</p:sld>
+</file>
+
+<file path=ppt/slides/slide9.xml><?xml version="1.0" encoding="utf-8"?>
 <p:sld xmlns:a="http://schemas.openxmlformats.org/drawingml/2006/main" xmlns:r="http://schemas.openxmlformats.org/officeDocument/2006/relationships" xmlns:p="http://schemas.openxmlformats.org/presentationml/2006/main">
   <p:cSld>
     <p:spTree>
@@ -8594,110 +8740,6 @@
             <a:headEnd/>
             <a:tailEnd/>
           </a:ln>
-        </p:spPr>
-      </p:pic>
-    </p:spTree>
-  </p:cSld>
-  <p:clrMapOvr>
-    <a:masterClrMapping/>
-  </p:clrMapOvr>
-  <p:timing>
-    <p:tnLst>
-      <p:par>
-        <p:cTn id="1" dur="indefinite" restart="never" nodeType="tmRoot"/>
-      </p:par>
-    </p:tnLst>
-  </p:timing>
-</p:sld>
-</file>
-
-<file path=ppt/slides/slide9.xml><?xml version="1.0" encoding="utf-8"?>
-<p:sld xmlns:a="http://schemas.openxmlformats.org/drawingml/2006/main" xmlns:r="http://schemas.openxmlformats.org/officeDocument/2006/relationships" xmlns:p="http://schemas.openxmlformats.org/presentationml/2006/main">
-  <p:cSld>
-    <p:spTree>
-      <p:nvGrpSpPr>
-        <p:cNvPr id="1" name=""/>
-        <p:cNvGrpSpPr/>
-        <p:nvPr/>
-      </p:nvGrpSpPr>
-      <p:grpSpPr>
-        <a:xfrm>
-          <a:off x="0" y="0"/>
-          <a:ext cx="0" cy="0"/>
-          <a:chOff x="0" y="0"/>
-          <a:chExt cx="0" cy="0"/>
-        </a:xfrm>
-      </p:grpSpPr>
-      <p:sp>
-        <p:nvSpPr>
-          <p:cNvPr id="2" name="제목 1"/>
-          <p:cNvSpPr>
-            <a:spLocks noGrp="1"/>
-          </p:cNvSpPr>
-          <p:nvPr>
-            <p:ph type="title"/>
-          </p:nvPr>
-        </p:nvSpPr>
-        <p:spPr/>
-        <p:txBody>
-          <a:bodyPr/>
-          <a:lstStyle/>
-          <a:p>
-            <a:r>
-              <a:rPr lang="en-US" altLang="ko-KR" dirty="0" smtClean="0"/>
-              <a:t>3. </a:t>
-            </a:r>
-            <a:r>
-              <a:rPr lang="ko-KR" altLang="en-US" dirty="0" smtClean="0"/>
-              <a:t>엔진 소개 </a:t>
-            </a:r>
-            <a:r>
-              <a:rPr lang="en-US" altLang="ko-KR" dirty="0" smtClean="0"/>
-              <a:t>(&amp; </a:t>
-            </a:r>
-            <a:r>
-              <a:rPr lang="ko-KR" altLang="en-US" dirty="0" smtClean="0"/>
-              <a:t>게임 시연</a:t>
-            </a:r>
-            <a:r>
-              <a:rPr lang="en-US" altLang="ko-KR" dirty="0" smtClean="0"/>
-              <a:t>)</a:t>
-            </a:r>
-            <a:endParaRPr lang="ko-KR" altLang="en-US" dirty="0"/>
-          </a:p>
-        </p:txBody>
-      </p:sp>
-      <p:pic>
-        <p:nvPicPr>
-          <p:cNvPr id="1026" name="Picture 2"/>
-          <p:cNvPicPr>
-            <a:picLocks noChangeAspect="1" noChangeArrowheads="1"/>
-          </p:cNvPicPr>
-          <p:nvPr/>
-        </p:nvPicPr>
-        <p:blipFill>
-          <a:blip r:embed="rId2" cstate="print"/>
-          <a:srcRect/>
-          <a:stretch>
-            <a:fillRect/>
-          </a:stretch>
-        </p:blipFill>
-        <p:spPr bwMode="auto">
-          <a:xfrm>
-            <a:off x="3009900" y="2144713"/>
-            <a:ext cx="3124200" cy="2571750"/>
-          </a:xfrm>
-          <a:prstGeom prst="rect">
-            <a:avLst/>
-          </a:prstGeom>
-          <a:noFill/>
-          <a:ln w="9525">
-            <a:noFill/>
-            <a:miter lim="800000"/>
-            <a:headEnd/>
-            <a:tailEnd/>
-          </a:ln>
-          <a:effectLst/>
         </p:spPr>
       </p:pic>
     </p:spTree>
